--- a/idioms/course-of-action/block-network-traffic/diagram.pptx
+++ b/idioms/course-of-action/block-network-traffic/diagram.pptx
@@ -288,7 +288,7 @@
           <a:p>
             <a:fld id="{13F24B86-36D2-4655-BE2F-98B661AC85E1}" type="datetimeFigureOut">
               <a:rPr lang="en-US" smtClean="0"/>
-              <a:t>3/18/2014</a:t>
+              <a:t>3/19/2014</a:t>
             </a:fld>
             <a:endParaRPr lang="en-US"/>
           </a:p>
@@ -458,7 +458,7 @@
           <a:p>
             <a:fld id="{13F24B86-36D2-4655-BE2F-98B661AC85E1}" type="datetimeFigureOut">
               <a:rPr lang="en-US" smtClean="0"/>
-              <a:t>3/18/2014</a:t>
+              <a:t>3/19/2014</a:t>
             </a:fld>
             <a:endParaRPr lang="en-US"/>
           </a:p>
@@ -638,7 +638,7 @@
           <a:p>
             <a:fld id="{13F24B86-36D2-4655-BE2F-98B661AC85E1}" type="datetimeFigureOut">
               <a:rPr lang="en-US" smtClean="0"/>
-              <a:t>3/18/2014</a:t>
+              <a:t>3/19/2014</a:t>
             </a:fld>
             <a:endParaRPr lang="en-US"/>
           </a:p>
@@ -808,7 +808,7 @@
           <a:p>
             <a:fld id="{13F24B86-36D2-4655-BE2F-98B661AC85E1}" type="datetimeFigureOut">
               <a:rPr lang="en-US" smtClean="0"/>
-              <a:t>3/18/2014</a:t>
+              <a:t>3/19/2014</a:t>
             </a:fld>
             <a:endParaRPr lang="en-US"/>
           </a:p>
@@ -1054,7 +1054,7 @@
           <a:p>
             <a:fld id="{13F24B86-36D2-4655-BE2F-98B661AC85E1}" type="datetimeFigureOut">
               <a:rPr lang="en-US" smtClean="0"/>
-              <a:t>3/18/2014</a:t>
+              <a:t>3/19/2014</a:t>
             </a:fld>
             <a:endParaRPr lang="en-US"/>
           </a:p>
@@ -1342,7 +1342,7 @@
           <a:p>
             <a:fld id="{13F24B86-36D2-4655-BE2F-98B661AC85E1}" type="datetimeFigureOut">
               <a:rPr lang="en-US" smtClean="0"/>
-              <a:t>3/18/2014</a:t>
+              <a:t>3/19/2014</a:t>
             </a:fld>
             <a:endParaRPr lang="en-US"/>
           </a:p>
@@ -1764,7 +1764,7 @@
           <a:p>
             <a:fld id="{13F24B86-36D2-4655-BE2F-98B661AC85E1}" type="datetimeFigureOut">
               <a:rPr lang="en-US" smtClean="0"/>
-              <a:t>3/18/2014</a:t>
+              <a:t>3/19/2014</a:t>
             </a:fld>
             <a:endParaRPr lang="en-US"/>
           </a:p>
@@ -1882,7 +1882,7 @@
           <a:p>
             <a:fld id="{13F24B86-36D2-4655-BE2F-98B661AC85E1}" type="datetimeFigureOut">
               <a:rPr lang="en-US" smtClean="0"/>
-              <a:t>3/18/2014</a:t>
+              <a:t>3/19/2014</a:t>
             </a:fld>
             <a:endParaRPr lang="en-US"/>
           </a:p>
@@ -1977,7 +1977,7 @@
           <a:p>
             <a:fld id="{13F24B86-36D2-4655-BE2F-98B661AC85E1}" type="datetimeFigureOut">
               <a:rPr lang="en-US" smtClean="0"/>
-              <a:t>3/18/2014</a:t>
+              <a:t>3/19/2014</a:t>
             </a:fld>
             <a:endParaRPr lang="en-US"/>
           </a:p>
@@ -2254,7 +2254,7 @@
           <a:p>
             <a:fld id="{13F24B86-36D2-4655-BE2F-98B661AC85E1}" type="datetimeFigureOut">
               <a:rPr lang="en-US" smtClean="0"/>
-              <a:t>3/18/2014</a:t>
+              <a:t>3/19/2014</a:t>
             </a:fld>
             <a:endParaRPr lang="en-US"/>
           </a:p>
@@ -2507,7 +2507,7 @@
           <a:p>
             <a:fld id="{13F24B86-36D2-4655-BE2F-98B661AC85E1}" type="datetimeFigureOut">
               <a:rPr lang="en-US" smtClean="0"/>
-              <a:t>3/18/2014</a:t>
+              <a:t>3/19/2014</a:t>
             </a:fld>
             <a:endParaRPr lang="en-US"/>
           </a:p>
@@ -2720,7 +2720,7 @@
           <a:p>
             <a:fld id="{13F24B86-36D2-4655-BE2F-98B661AC85E1}" type="datetimeFigureOut">
               <a:rPr lang="en-US" smtClean="0"/>
-              <a:t>3/18/2014</a:t>
+              <a:t>3/19/2014</a:t>
             </a:fld>
             <a:endParaRPr lang="en-US"/>
           </a:p>
@@ -3104,34 +3104,35 @@
           <p:nvPr>
             <p:extLst>
               <p:ext uri="{D42A27DB-BD31-4B8C-83A1-F6EECF244321}">
-                <p14:modId xmlns:p14="http://schemas.microsoft.com/office/powerpoint/2010/main" val="2718256650"/>
+                <p14:modId xmlns:p14="http://schemas.microsoft.com/office/powerpoint/2010/main" val="1146564391"/>
               </p:ext>
             </p:extLst>
           </p:nvPr>
         </p:nvGraphicFramePr>
         <p:xfrm>
-          <a:off x="493122" y="53321"/>
-          <a:ext cx="8157391" cy="7131467"/>
+          <a:off x="409997" y="330412"/>
+          <a:ext cx="5754828" cy="6293980"/>
         </p:xfrm>
         <a:graphic>
           <a:graphicData uri="http://schemas.openxmlformats.org/drawingml/2006/table">
             <a:tbl>
-              <a:tblPr bandRow="1">
-                <a:tableStyleId>{3C2FFA5D-87B4-456A-9821-1D502468CF0F}</a:tableStyleId>
+              <a:tblPr firstRow="1" bandRow="1">
+                <a:tableStyleId>{5C22544A-7EE6-4342-B048-85BDC9FD1C3A}</a:tableStyleId>
               </a:tblPr>
               <a:tblGrid>
-                <a:gridCol w="1939488"/>
-                <a:gridCol w="6217903"/>
+                <a:gridCol w="1720727"/>
+                <a:gridCol w="1840816"/>
+                <a:gridCol w="2193285"/>
               </a:tblGrid>
               <a:tr h="276599">
-                <a:tc gridSpan="2">
+                <a:tc gridSpan="3">
                   <a:txBody>
                     <a:bodyPr/>
                     <a:lstStyle/>
                     <a:p>
                       <a:pPr algn="ctr"/>
                       <a:r>
-                        <a:rPr lang="en-US" sz="1600" b="1" dirty="0" smtClean="0">
+                        <a:rPr lang="en-US" sz="1600" dirty="0" smtClean="0">
                           <a:solidFill>
                             <a:schemeClr val="bg1"/>
                           </a:solidFill>
@@ -3173,6 +3174,37 @@
                       <a:headEnd type="none" w="med" len="med"/>
                       <a:tailEnd type="none" w="med" len="med"/>
                     </a:lnT>
+                    <a:solidFill>
+                      <a:schemeClr val="accent1">
+                        <a:lumMod val="75000"/>
+                      </a:schemeClr>
+                    </a:solidFill>
+                  </a:tcPr>
+                </a:tc>
+                <a:tc hMerge="1">
+                  <a:txBody>
+                    <a:bodyPr/>
+                    <a:lstStyle/>
+                    <a:p>
+                      <a:endParaRPr lang="en-US" sz="1200" dirty="0"/>
+                    </a:p>
+                  </a:txBody>
+                  <a:tcPr>
+                    <a:lnL w="12700" cap="flat" cmpd="sng" algn="ctr">
+                      <a:noFill/>
+                      <a:prstDash val="solid"/>
+                      <a:round/>
+                      <a:headEnd type="none" w="med" len="med"/>
+                      <a:tailEnd type="none" w="med" len="med"/>
+                    </a:lnL>
+                    <a:lnR w="9525" cap="flat" cmpd="sng" algn="ctr">
+                      <a:noFill/>
+                      <a:prstDash val="solid"/>
+                    </a:lnR>
+                    <a:lnT w="9525" cap="flat" cmpd="sng" algn="ctr">
+                      <a:noFill/>
+                      <a:prstDash val="solid"/>
+                    </a:lnT>
                     <a:lnB w="12700" cap="flat" cmpd="sng" algn="ctr">
                       <a:noFill/>
                       <a:prstDash val="solid"/>
@@ -3188,9 +3220,6 @@
                       <a:noFill/>
                       <a:prstDash val="solid"/>
                     </a:lnBlToTr>
-                    <a:solidFill>
-                      <a:schemeClr val="tx2"/>
-                    </a:solidFill>
                   </a:tcPr>
                 </a:tc>
                 <a:tc hMerge="1">
@@ -3198,41 +3227,10 @@
                     <a:bodyPr/>
                     <a:lstStyle/>
                     <a:p>
-                      <a:endParaRPr lang="en-US" sz="1200" dirty="0"/>
-                    </a:p>
-                  </a:txBody>
-                  <a:tcPr>
-                    <a:lnL w="12700" cap="flat" cmpd="sng" algn="ctr">
-                      <a:noFill/>
-                      <a:prstDash val="solid"/>
-                      <a:round/>
-                      <a:headEnd type="none" w="med" len="med"/>
-                      <a:tailEnd type="none" w="med" len="med"/>
-                    </a:lnL>
-                    <a:lnR w="9525" cap="flat" cmpd="sng" algn="ctr">
-                      <a:noFill/>
-                      <a:prstDash val="solid"/>
-                    </a:lnR>
-                    <a:lnT w="9525" cap="flat" cmpd="sng" algn="ctr">
-                      <a:noFill/>
-                      <a:prstDash val="solid"/>
-                    </a:lnT>
-                    <a:lnB w="12700" cap="flat" cmpd="sng" algn="ctr">
-                      <a:noFill/>
-                      <a:prstDash val="solid"/>
-                      <a:round/>
-                      <a:headEnd type="none" w="med" len="med"/>
-                      <a:tailEnd type="none" w="med" len="med"/>
-                    </a:lnB>
-                    <a:lnTlToBr w="12700" cmpd="sng">
-                      <a:noFill/>
-                      <a:prstDash val="solid"/>
-                    </a:lnTlToBr>
-                    <a:lnBlToTr w="12700" cmpd="sng">
-                      <a:noFill/>
-                      <a:prstDash val="solid"/>
-                    </a:lnBlToTr>
-                  </a:tcPr>
+                      <a:endParaRPr lang="en-US"/>
+                    </a:p>
+                  </a:txBody>
+                  <a:tcPr/>
                 </a:tc>
               </a:tr>
               <a:tr h="276599">
@@ -3242,10 +3240,10 @@
                     <a:lstStyle/>
                     <a:p>
                       <a:r>
-                        <a:rPr lang="en-US" sz="1200" b="0" dirty="0" smtClean="0"/>
-                        <a:t>id</a:t>
+                        <a:rPr lang="en-US" sz="1100" dirty="0" smtClean="0"/>
+                        <a:t>ID</a:t>
                       </a:r>
-                      <a:endParaRPr lang="en-US" sz="1200" b="0" dirty="0"/>
+                      <a:endParaRPr lang="en-US" sz="1100" b="0" dirty="0"/>
                     </a:p>
                   </a:txBody>
                   <a:tcPr>
@@ -3267,36 +3265,18 @@
                       <a:headEnd type="none" w="med" len="med"/>
                       <a:tailEnd type="none" w="med" len="med"/>
                     </a:lnR>
-                    <a:lnT w="12700" cap="flat" cmpd="sng" algn="ctr">
-                      <a:noFill/>
-                      <a:prstDash val="solid"/>
-                      <a:round/>
-                      <a:headEnd type="none" w="med" len="med"/>
-                      <a:tailEnd type="none" w="med" len="med"/>
-                    </a:lnT>
-                    <a:lnB w="12700" cap="flat" cmpd="sng" algn="ctr">
-                      <a:noFill/>
-                      <a:prstDash val="solid"/>
-                      <a:round/>
-                      <a:headEnd type="none" w="med" len="med"/>
-                      <a:tailEnd type="none" w="med" len="med"/>
-                    </a:lnB>
-                    <a:lnTlToBr w="12700" cmpd="sng">
-                      <a:noFill/>
-                      <a:prstDash val="solid"/>
-                    </a:lnTlToBr>
-                    <a:lnBlToTr w="12700" cmpd="sng">
-                      <a:noFill/>
-                      <a:prstDash val="solid"/>
-                    </a:lnBlToTr>
                   </a:tcPr>
                 </a:tc>
-                <a:tc>
-                  <a:txBody>
-                    <a:bodyPr/>
-                    <a:lstStyle/>
-                    <a:p>
-                      <a:endParaRPr lang="en-US" sz="1200" dirty="0"/>
+                <a:tc gridSpan="2">
+                  <a:txBody>
+                    <a:bodyPr/>
+                    <a:lstStyle/>
+                    <a:p>
+                      <a:r>
+                        <a:rPr lang="en-US" sz="1100" dirty="0" smtClean="0"/>
+                        <a:t>example:coa-55f57cc7-ddd5-467b-a3a2-6fd602549d9e</a:t>
+                      </a:r>
+                      <a:endParaRPr lang="en-US" sz="1100" dirty="0"/>
                     </a:p>
                   </a:txBody>
                   <a:tcPr>
@@ -3318,29 +3298,17 @@
                       <a:headEnd type="none" w="med" len="med"/>
                       <a:tailEnd type="none" w="med" len="med"/>
                     </a:lnR>
-                    <a:lnT w="12700" cap="flat" cmpd="sng" algn="ctr">
-                      <a:noFill/>
-                      <a:prstDash val="solid"/>
-                      <a:round/>
-                      <a:headEnd type="none" w="med" len="med"/>
-                      <a:tailEnd type="none" w="med" len="med"/>
-                    </a:lnT>
-                    <a:lnB w="12700" cap="flat" cmpd="sng" algn="ctr">
-                      <a:noFill/>
-                      <a:prstDash val="solid"/>
-                      <a:round/>
-                      <a:headEnd type="none" w="med" len="med"/>
-                      <a:tailEnd type="none" w="med" len="med"/>
-                    </a:lnB>
-                    <a:lnTlToBr w="12700" cmpd="sng">
-                      <a:noFill/>
-                      <a:prstDash val="solid"/>
-                    </a:lnTlToBr>
-                    <a:lnBlToTr w="12700" cmpd="sng">
-                      <a:noFill/>
-                      <a:prstDash val="solid"/>
-                    </a:lnBlToTr>
                   </a:tcPr>
+                </a:tc>
+                <a:tc hMerge="1">
+                  <a:txBody>
+                    <a:bodyPr/>
+                    <a:lstStyle/>
+                    <a:p>
+                      <a:endParaRPr lang="en-US"/>
+                    </a:p>
+                  </a:txBody>
+                  <a:tcPr/>
                 </a:tc>
               </a:tr>
               <a:tr h="276599">
@@ -3350,10 +3318,10 @@
                     <a:lstStyle/>
                     <a:p>
                       <a:r>
-                        <a:rPr lang="en-US" sz="1200" b="0" dirty="0" smtClean="0"/>
+                        <a:rPr lang="en-US" sz="1100" dirty="0" smtClean="0"/>
                         <a:t>Title</a:t>
                       </a:r>
-                      <a:endParaRPr lang="en-US" sz="1200" b="0" dirty="0"/>
+                      <a:endParaRPr lang="en-US" sz="1100" b="0" dirty="0"/>
                     </a:p>
                   </a:txBody>
                   <a:tcPr>
@@ -3375,44 +3343,22 @@
                       <a:headEnd type="none" w="med" len="med"/>
                       <a:tailEnd type="none" w="med" len="med"/>
                     </a:lnR>
-                    <a:lnT w="12700" cap="flat" cmpd="sng" algn="ctr">
-                      <a:noFill/>
-                      <a:prstDash val="solid"/>
-                      <a:round/>
-                      <a:headEnd type="none" w="med" len="med"/>
-                      <a:tailEnd type="none" w="med" len="med"/>
-                    </a:lnT>
-                    <a:lnB w="12700" cap="flat" cmpd="sng" algn="ctr">
-                      <a:noFill/>
-                      <a:prstDash val="solid"/>
-                      <a:round/>
-                      <a:headEnd type="none" w="med" len="med"/>
-                      <a:tailEnd type="none" w="med" len="med"/>
-                    </a:lnB>
-                    <a:lnTlToBr w="12700" cmpd="sng">
-                      <a:noFill/>
-                      <a:prstDash val="solid"/>
-                    </a:lnTlToBr>
-                    <a:lnBlToTr w="12700" cmpd="sng">
-                      <a:noFill/>
-                      <a:prstDash val="solid"/>
-                    </a:lnBlToTr>
                   </a:tcPr>
                 </a:tc>
-                <a:tc>
+                <a:tc gridSpan="2">
                   <a:txBody>
                     <a:bodyPr/>
                     <a:lstStyle/>
                     <a:p>
                       <a:r>
-                        <a:rPr lang="en-US" sz="1200" dirty="0" smtClean="0"/>
+                        <a:rPr lang="en-US" sz="1100" dirty="0" smtClean="0"/>
                         <a:t>Block traffic to PIVY</a:t>
                       </a:r>
                       <a:r>
-                        <a:rPr lang="en-US" sz="1200" baseline="0" dirty="0" smtClean="0"/>
+                        <a:rPr lang="en-US" sz="1100" baseline="0" dirty="0" smtClean="0"/>
                         <a:t> C2 Server (10.10.10.10)</a:t>
                       </a:r>
-                      <a:endParaRPr lang="en-US" sz="1200" dirty="0"/>
+                      <a:endParaRPr lang="en-US" sz="1100" dirty="0"/>
                     </a:p>
                   </a:txBody>
                   <a:tcPr>
@@ -3434,29 +3380,17 @@
                       <a:headEnd type="none" w="med" len="med"/>
                       <a:tailEnd type="none" w="med" len="med"/>
                     </a:lnR>
-                    <a:lnT w="12700" cap="flat" cmpd="sng" algn="ctr">
-                      <a:noFill/>
-                      <a:prstDash val="solid"/>
-                      <a:round/>
-                      <a:headEnd type="none" w="med" len="med"/>
-                      <a:tailEnd type="none" w="med" len="med"/>
-                    </a:lnT>
-                    <a:lnB w="12700" cap="flat" cmpd="sng" algn="ctr">
-                      <a:noFill/>
-                      <a:prstDash val="solid"/>
-                      <a:round/>
-                      <a:headEnd type="none" w="med" len="med"/>
-                      <a:tailEnd type="none" w="med" len="med"/>
-                    </a:lnB>
-                    <a:lnTlToBr w="12700" cmpd="sng">
-                      <a:noFill/>
-                      <a:prstDash val="solid"/>
-                    </a:lnTlToBr>
-                    <a:lnBlToTr w="12700" cmpd="sng">
-                      <a:noFill/>
-                      <a:prstDash val="solid"/>
-                    </a:lnBlToTr>
                   </a:tcPr>
+                </a:tc>
+                <a:tc hMerge="1">
+                  <a:txBody>
+                    <a:bodyPr/>
+                    <a:lstStyle/>
+                    <a:p>
+                      <a:endParaRPr lang="en-US"/>
+                    </a:p>
+                  </a:txBody>
+                  <a:tcPr/>
                 </a:tc>
               </a:tr>
               <a:tr h="276599">
@@ -3466,10 +3400,10 @@
                     <a:lstStyle/>
                     <a:p>
                       <a:r>
-                        <a:rPr lang="en-US" sz="1200" b="0" dirty="0" smtClean="0"/>
+                        <a:rPr lang="en-US" sz="1100" dirty="0" smtClean="0"/>
                         <a:t>Stage</a:t>
                       </a:r>
-                      <a:endParaRPr lang="en-US" sz="1200" b="0" dirty="0"/>
+                      <a:endParaRPr lang="en-US" sz="1100" b="0" dirty="0"/>
                     </a:p>
                   </a:txBody>
                   <a:tcPr>
@@ -3491,28 +3425,6 @@
                       <a:headEnd type="none" w="med" len="med"/>
                       <a:tailEnd type="none" w="med" len="med"/>
                     </a:lnR>
-                    <a:lnT w="12700" cap="flat" cmpd="sng" algn="ctr">
-                      <a:noFill/>
-                      <a:prstDash val="solid"/>
-                      <a:round/>
-                      <a:headEnd type="none" w="med" len="med"/>
-                      <a:tailEnd type="none" w="med" len="med"/>
-                    </a:lnT>
-                    <a:lnB w="12700" cap="flat" cmpd="sng" algn="ctr">
-                      <a:noFill/>
-                      <a:prstDash val="solid"/>
-                      <a:round/>
-                      <a:headEnd type="none" w="med" len="med"/>
-                      <a:tailEnd type="none" w="med" len="med"/>
-                    </a:lnB>
-                    <a:lnTlToBr w="12700" cmpd="sng">
-                      <a:noFill/>
-                      <a:prstDash val="solid"/>
-                    </a:lnTlToBr>
-                    <a:lnBlToTr w="12700" cmpd="sng">
-                      <a:noFill/>
-                      <a:prstDash val="solid"/>
-                    </a:lnBlToTr>
                   </a:tcPr>
                 </a:tc>
                 <a:tc>
@@ -3521,43 +3433,69 @@
                     <a:lstStyle/>
                     <a:p>
                       <a:r>
-                        <a:rPr lang="en-US" sz="1200" b="1" i="0" dirty="0" err="1" smtClean="0"/>
-                        <a:t>xsi:type</a:t>
+                        <a:rPr lang="en-US" sz="1100" dirty="0" smtClean="0"/>
+                        <a:t>Response</a:t>
                       </a:r>
+                      <a:endParaRPr lang="en-US" sz="1100" dirty="0"/>
+                    </a:p>
+                  </a:txBody>
+                  <a:tcPr>
+                    <a:lnL w="12700" cap="flat" cmpd="sng" algn="ctr">
+                      <a:solidFill>
+                        <a:schemeClr val="tx1"/>
+                      </a:solidFill>
+                      <a:prstDash val="solid"/>
+                      <a:round/>
+                      <a:headEnd type="none" w="med" len="med"/>
+                      <a:tailEnd type="none" w="med" len="med"/>
+                    </a:lnL>
+                    <a:lnR w="12700" cap="flat" cmpd="sng" algn="ctr">
+                      <a:noFill/>
+                      <a:prstDash val="solid"/>
+                      <a:round/>
+                      <a:headEnd type="none" w="med" len="med"/>
+                      <a:tailEnd type="none" w="med" len="med"/>
+                    </a:lnR>
+                  </a:tcPr>
+                </a:tc>
+                <a:tc>
+                  <a:txBody>
+                    <a:bodyPr/>
+                    <a:lstStyle/>
+                    <a:p>
+                      <a:pPr marL="0" marR="0" indent="0" algn="r" defTabSz="914400" rtl="0" eaLnBrk="1" fontAlgn="auto" latinLnBrk="0" hangingPunct="1">
+                        <a:lnSpc>
+                          <a:spcPct val="100000"/>
+                        </a:lnSpc>
+                        <a:spcBef>
+                          <a:spcPts val="0"/>
+                        </a:spcBef>
+                        <a:spcAft>
+                          <a:spcPts val="0"/>
+                        </a:spcAft>
+                        <a:buClrTx/>
+                        <a:buSzTx/>
+                        <a:buFontTx/>
+                        <a:buNone/>
+                        <a:tabLst/>
+                        <a:defRPr/>
+                      </a:pPr>
                       <a:r>
-                        <a:rPr lang="en-US" sz="1200" b="1" i="0" dirty="0" smtClean="0"/>
-                        <a:t>:</a:t>
-                      </a:r>
-                      <a:r>
-                        <a:rPr lang="en-US" sz="1200" b="1" dirty="0" smtClean="0"/>
-                        <a:t> </a:t>
-                      </a:r>
-                      <a:r>
-                        <a:rPr lang="en-US" sz="1200" b="0" dirty="0" smtClean="0"/>
+                        <a:rPr lang="en-US" sz="1100" dirty="0" smtClean="0">
+                          <a:solidFill>
+                            <a:schemeClr val="bg1">
+                              <a:lumMod val="50000"/>
+                            </a:schemeClr>
+                          </a:solidFill>
+                        </a:rPr>
                         <a:t>COAStageVocab-1.0</a:t>
                       </a:r>
-                    </a:p>
-                    <a:p>
-                      <a:r>
-                        <a:rPr lang="en-US" sz="1200" b="1" i="0" dirty="0" smtClean="0"/>
-                        <a:t>value:</a:t>
-                      </a:r>
-                      <a:r>
-                        <a:rPr lang="en-US" sz="1200" b="0" i="1" dirty="0" smtClean="0"/>
-                        <a:t> </a:t>
-                      </a:r>
-                      <a:r>
-                        <a:rPr lang="en-US" sz="1200" b="0" dirty="0" smtClean="0"/>
-                        <a:t>Response</a:t>
-                      </a:r>
-                      <a:endParaRPr lang="en-US" sz="1200" b="0" dirty="0"/>
+                      <a:endParaRPr lang="en-US" sz="1100" dirty="0"/>
                     </a:p>
                   </a:txBody>
                   <a:tcPr>
                     <a:lnL w="12700" cap="flat" cmpd="sng" algn="ctr">
-                      <a:solidFill>
-                        <a:schemeClr val="tx1"/>
-                      </a:solidFill>
+                      <a:noFill/>
                       <a:prstDash val="solid"/>
                       <a:round/>
                       <a:headEnd type="none" w="med" len="med"/>
@@ -3572,28 +3510,6 @@
                       <a:headEnd type="none" w="med" len="med"/>
                       <a:tailEnd type="none" w="med" len="med"/>
                     </a:lnR>
-                    <a:lnT w="12700" cap="flat" cmpd="sng" algn="ctr">
-                      <a:noFill/>
-                      <a:prstDash val="solid"/>
-                      <a:round/>
-                      <a:headEnd type="none" w="med" len="med"/>
-                      <a:tailEnd type="none" w="med" len="med"/>
-                    </a:lnT>
-                    <a:lnB w="12700" cap="flat" cmpd="sng" algn="ctr">
-                      <a:noFill/>
-                      <a:prstDash val="solid"/>
-                      <a:round/>
-                      <a:headEnd type="none" w="med" len="med"/>
-                      <a:tailEnd type="none" w="med" len="med"/>
-                    </a:lnB>
-                    <a:lnTlToBr w="12700" cmpd="sng">
-                      <a:noFill/>
-                      <a:prstDash val="solid"/>
-                    </a:lnTlToBr>
-                    <a:lnBlToTr w="12700" cmpd="sng">
-                      <a:noFill/>
-                      <a:prstDash val="solid"/>
-                    </a:lnBlToTr>
                   </a:tcPr>
                 </a:tc>
               </a:tr>
@@ -3604,10 +3520,10 @@
                     <a:lstStyle/>
                     <a:p>
                       <a:r>
-                        <a:rPr lang="en-US" sz="1200" b="0" dirty="0" smtClean="0"/>
+                        <a:rPr lang="en-US" sz="1100" dirty="0" smtClean="0"/>
                         <a:t>Type</a:t>
                       </a:r>
-                      <a:endParaRPr lang="en-US" sz="1200" b="0" dirty="0"/>
+                      <a:endParaRPr lang="en-US" sz="1100" b="0" dirty="0"/>
                     </a:p>
                   </a:txBody>
                   <a:tcPr>
@@ -3629,28 +3545,6 @@
                       <a:headEnd type="none" w="med" len="med"/>
                       <a:tailEnd type="none" w="med" len="med"/>
                     </a:lnR>
-                    <a:lnT w="12700" cap="flat" cmpd="sng" algn="ctr">
-                      <a:noFill/>
-                      <a:prstDash val="solid"/>
-                      <a:round/>
-                      <a:headEnd type="none" w="med" len="med"/>
-                      <a:tailEnd type="none" w="med" len="med"/>
-                    </a:lnT>
-                    <a:lnB w="12700" cap="flat" cmpd="sng" algn="ctr">
-                      <a:noFill/>
-                      <a:prstDash val="solid"/>
-                      <a:round/>
-                      <a:headEnd type="none" w="med" len="med"/>
-                      <a:tailEnd type="none" w="med" len="med"/>
-                    </a:lnB>
-                    <a:lnTlToBr w="12700" cmpd="sng">
-                      <a:noFill/>
-                      <a:prstDash val="solid"/>
-                    </a:lnTlToBr>
-                    <a:lnBlToTr w="12700" cmpd="sng">
-                      <a:noFill/>
-                      <a:prstDash val="solid"/>
-                    </a:lnBlToTr>
                   </a:tcPr>
                 </a:tc>
                 <a:tc>
@@ -3659,43 +3553,73 @@
                     <a:lstStyle/>
                     <a:p>
                       <a:r>
-                        <a:rPr lang="en-US" sz="1200" b="1" i="0" dirty="0" err="1" smtClean="0"/>
-                        <a:t>xsi:type</a:t>
+                        <a:rPr lang="en-US" sz="1100" dirty="0" smtClean="0"/>
+                        <a:t>Perimeter</a:t>
                       </a:r>
                       <a:r>
-                        <a:rPr lang="en-US" sz="1200" b="1" i="0" dirty="0" smtClean="0"/>
-                        <a:t>:</a:t>
+                        <a:rPr lang="en-US" sz="1100" baseline="0" dirty="0" smtClean="0"/>
+                        <a:t> Blocking</a:t>
                       </a:r>
+                      <a:endParaRPr lang="en-US" sz="1100" dirty="0"/>
+                    </a:p>
+                  </a:txBody>
+                  <a:tcPr>
+                    <a:lnL w="12700" cap="flat" cmpd="sng" algn="ctr">
+                      <a:solidFill>
+                        <a:schemeClr val="tx1"/>
+                      </a:solidFill>
+                      <a:prstDash val="solid"/>
+                      <a:round/>
+                      <a:headEnd type="none" w="med" len="med"/>
+                      <a:tailEnd type="none" w="med" len="med"/>
+                    </a:lnL>
+                    <a:lnR w="12700" cap="flat" cmpd="sng" algn="ctr">
+                      <a:noFill/>
+                      <a:prstDash val="solid"/>
+                      <a:round/>
+                      <a:headEnd type="none" w="med" len="med"/>
+                      <a:tailEnd type="none" w="med" len="med"/>
+                    </a:lnR>
+                  </a:tcPr>
+                </a:tc>
+                <a:tc>
+                  <a:txBody>
+                    <a:bodyPr/>
+                    <a:lstStyle/>
+                    <a:p>
+                      <a:pPr marL="0" marR="0" indent="0" algn="r" defTabSz="914400" rtl="0" eaLnBrk="1" fontAlgn="auto" latinLnBrk="0" hangingPunct="1">
+                        <a:lnSpc>
+                          <a:spcPct val="100000"/>
+                        </a:lnSpc>
+                        <a:spcBef>
+                          <a:spcPts val="0"/>
+                        </a:spcBef>
+                        <a:spcAft>
+                          <a:spcPts val="0"/>
+                        </a:spcAft>
+                        <a:buClrTx/>
+                        <a:buSzTx/>
+                        <a:buFontTx/>
+                        <a:buNone/>
+                        <a:tabLst/>
+                        <a:defRPr/>
+                      </a:pPr>
                       <a:r>
-                        <a:rPr lang="en-US" sz="1200" b="1" dirty="0" smtClean="0"/>
-                        <a:t> </a:t>
-                      </a:r>
-                      <a:r>
-                        <a:rPr lang="en-US" sz="1200" b="0" dirty="0" smtClean="0"/>
+                        <a:rPr lang="en-US" sz="1100" dirty="0" smtClean="0">
+                          <a:solidFill>
+                            <a:schemeClr val="bg1">
+                              <a:lumMod val="50000"/>
+                            </a:schemeClr>
+                          </a:solidFill>
+                        </a:rPr>
                         <a:t>CourseOfActionTypeVocab-1.0</a:t>
                       </a:r>
-                    </a:p>
-                    <a:p>
-                      <a:r>
-                        <a:rPr lang="en-US" sz="1200" b="1" i="0" dirty="0" smtClean="0"/>
-                        <a:t>value:</a:t>
-                      </a:r>
-                      <a:r>
-                        <a:rPr lang="en-US" sz="1200" b="0" i="1" dirty="0" smtClean="0"/>
-                        <a:t> </a:t>
-                      </a:r>
-                      <a:r>
-                        <a:rPr lang="en-US" sz="1200" b="0" dirty="0" smtClean="0"/>
-                        <a:t>Perimeter Blocking</a:t>
-                      </a:r>
-                      <a:endParaRPr lang="en-US" sz="1200" dirty="0"/>
+                      <a:endParaRPr lang="en-US" sz="1100" dirty="0"/>
                     </a:p>
                   </a:txBody>
                   <a:tcPr>
                     <a:lnL w="12700" cap="flat" cmpd="sng" algn="ctr">
-                      <a:solidFill>
-                        <a:schemeClr val="tx1"/>
-                      </a:solidFill>
+                      <a:noFill/>
                       <a:prstDash val="solid"/>
                       <a:round/>
                       <a:headEnd type="none" w="med" len="med"/>
@@ -3710,28 +3634,6 @@
                       <a:headEnd type="none" w="med" len="med"/>
                       <a:tailEnd type="none" w="med" len="med"/>
                     </a:lnR>
-                    <a:lnT w="12700" cap="flat" cmpd="sng" algn="ctr">
-                      <a:noFill/>
-                      <a:prstDash val="solid"/>
-                      <a:round/>
-                      <a:headEnd type="none" w="med" len="med"/>
-                      <a:tailEnd type="none" w="med" len="med"/>
-                    </a:lnT>
-                    <a:lnB w="12700" cap="flat" cmpd="sng" algn="ctr">
-                      <a:noFill/>
-                      <a:prstDash val="solid"/>
-                      <a:round/>
-                      <a:headEnd type="none" w="med" len="med"/>
-                      <a:tailEnd type="none" w="med" len="med"/>
-                    </a:lnB>
-                    <a:lnTlToBr w="12700" cmpd="sng">
-                      <a:noFill/>
-                      <a:prstDash val="solid"/>
-                    </a:lnTlToBr>
-                    <a:lnBlToTr w="12700" cmpd="sng">
-                      <a:noFill/>
-                      <a:prstDash val="solid"/>
-                    </a:lnBlToTr>
                   </a:tcPr>
                 </a:tc>
               </a:tr>
@@ -3742,10 +3644,10 @@
                     <a:lstStyle/>
                     <a:p>
                       <a:r>
-                        <a:rPr lang="en-US" sz="1200" b="0" dirty="0" smtClean="0"/>
+                        <a:rPr lang="en-US" sz="1100" dirty="0" smtClean="0"/>
                         <a:t>Objective</a:t>
                       </a:r>
-                      <a:endParaRPr lang="en-US" sz="1200" b="0" dirty="0"/>
+                      <a:endParaRPr lang="en-US" sz="1100" b="0" dirty="0"/>
                     </a:p>
                   </a:txBody>
                   <a:tcPr>
@@ -3767,36 +3669,14 @@
                       <a:headEnd type="none" w="med" len="med"/>
                       <a:tailEnd type="none" w="med" len="med"/>
                     </a:lnR>
-                    <a:lnT w="12700" cap="flat" cmpd="sng" algn="ctr">
-                      <a:noFill/>
-                      <a:prstDash val="solid"/>
-                      <a:round/>
-                      <a:headEnd type="none" w="med" len="med"/>
-                      <a:tailEnd type="none" w="med" len="med"/>
-                    </a:lnT>
-                    <a:lnB w="12700" cap="flat" cmpd="sng" algn="ctr">
-                      <a:noFill/>
-                      <a:prstDash val="solid"/>
-                      <a:round/>
-                      <a:headEnd type="none" w="med" len="med"/>
-                      <a:tailEnd type="none" w="med" len="med"/>
-                    </a:lnB>
-                    <a:lnTlToBr w="12700" cmpd="sng">
-                      <a:noFill/>
-                      <a:prstDash val="solid"/>
-                    </a:lnTlToBr>
-                    <a:lnBlToTr w="12700" cmpd="sng">
-                      <a:noFill/>
-                      <a:prstDash val="solid"/>
-                    </a:lnBlToTr>
                   </a:tcPr>
                 </a:tc>
-                <a:tc>
-                  <a:txBody>
-                    <a:bodyPr/>
-                    <a:lstStyle/>
-                    <a:p>
-                      <a:endParaRPr lang="en-US" sz="1200" dirty="0"/>
+                <a:tc gridSpan="2">
+                  <a:txBody>
+                    <a:bodyPr/>
+                    <a:lstStyle/>
+                    <a:p>
+                      <a:endParaRPr lang="en-US" sz="1100" dirty="0"/>
                     </a:p>
                   </a:txBody>
                   <a:tcPr>
@@ -3818,29 +3698,20 @@
                       <a:headEnd type="none" w="med" len="med"/>
                       <a:tailEnd type="none" w="med" len="med"/>
                     </a:lnR>
-                    <a:lnT w="12700" cap="flat" cmpd="sng" algn="ctr">
-                      <a:noFill/>
-                      <a:prstDash val="solid"/>
-                      <a:round/>
-                      <a:headEnd type="none" w="med" len="med"/>
-                      <a:tailEnd type="none" w="med" len="med"/>
-                    </a:lnT>
-                    <a:lnB w="12700" cap="flat" cmpd="sng" algn="ctr">
-                      <a:noFill/>
-                      <a:prstDash val="solid"/>
-                      <a:round/>
-                      <a:headEnd type="none" w="med" len="med"/>
-                      <a:tailEnd type="none" w="med" len="med"/>
+                    <a:lnB w="12700" cmpd="sng">
+                      <a:noFill/>
                     </a:lnB>
-                    <a:lnTlToBr w="12700" cmpd="sng">
-                      <a:noFill/>
-                      <a:prstDash val="solid"/>
-                    </a:lnTlToBr>
-                    <a:lnBlToTr w="12700" cmpd="sng">
-                      <a:noFill/>
-                      <a:prstDash val="solid"/>
-                    </a:lnBlToTr>
                   </a:tcPr>
+                </a:tc>
+                <a:tc hMerge="1">
+                  <a:txBody>
+                    <a:bodyPr/>
+                    <a:lstStyle/>
+                    <a:p>
+                      <a:endParaRPr lang="en-US"/>
+                    </a:p>
+                  </a:txBody>
+                  <a:tcPr/>
                 </a:tc>
               </a:tr>
               <a:tr h="276599">
@@ -3850,10 +3721,10 @@
                     <a:lstStyle/>
                     <a:p>
                       <a:r>
-                        <a:rPr lang="en-US" sz="1200" b="0" dirty="0" smtClean="0"/>
+                        <a:rPr lang="en-US" sz="1100" dirty="0" smtClean="0"/>
                         <a:t>    Description</a:t>
                       </a:r>
-                      <a:endParaRPr lang="en-US" sz="1200" b="0" dirty="0"/>
+                      <a:endParaRPr lang="en-US" sz="1100" b="0" dirty="0"/>
                     </a:p>
                   </a:txBody>
                   <a:tcPr>
@@ -3875,44 +3746,22 @@
                       <a:headEnd type="none" w="med" len="med"/>
                       <a:tailEnd type="none" w="med" len="med"/>
                     </a:lnR>
-                    <a:lnT w="12700" cap="flat" cmpd="sng" algn="ctr">
-                      <a:noFill/>
-                      <a:prstDash val="solid"/>
-                      <a:round/>
-                      <a:headEnd type="none" w="med" len="med"/>
-                      <a:tailEnd type="none" w="med" len="med"/>
-                    </a:lnT>
-                    <a:lnB w="12700" cap="flat" cmpd="sng" algn="ctr">
-                      <a:noFill/>
-                      <a:prstDash val="solid"/>
-                      <a:round/>
-                      <a:headEnd type="none" w="med" len="med"/>
-                      <a:tailEnd type="none" w="med" len="med"/>
-                    </a:lnB>
-                    <a:lnTlToBr w="12700" cmpd="sng">
-                      <a:noFill/>
-                      <a:prstDash val="solid"/>
-                    </a:lnTlToBr>
-                    <a:lnBlToTr w="12700" cmpd="sng">
-                      <a:noFill/>
-                      <a:prstDash val="solid"/>
-                    </a:lnBlToTr>
                   </a:tcPr>
                 </a:tc>
-                <a:tc>
+                <a:tc gridSpan="2">
                   <a:txBody>
                     <a:bodyPr/>
                     <a:lstStyle/>
                     <a:p>
                       <a:r>
-                        <a:rPr lang="en-US" sz="1200" dirty="0" smtClean="0"/>
+                        <a:rPr lang="en-US" sz="1100" dirty="0" smtClean="0"/>
                         <a:t>Block communication</a:t>
                       </a:r>
                       <a:r>
-                        <a:rPr lang="en-US" sz="1200" baseline="0" dirty="0" smtClean="0"/>
+                        <a:rPr lang="en-US" sz="1100" baseline="0" dirty="0" smtClean="0"/>
                         <a:t> between the PIVY agents and the C2 Server</a:t>
                       </a:r>
-                      <a:endParaRPr lang="en-US" sz="1200" dirty="0"/>
+                      <a:endParaRPr lang="en-US" sz="1100" dirty="0"/>
                     </a:p>
                   </a:txBody>
                   <a:tcPr>
@@ -3934,19 +3783,11 @@
                       <a:headEnd type="none" w="med" len="med"/>
                       <a:tailEnd type="none" w="med" len="med"/>
                     </a:lnR>
-                    <a:lnT w="12700" cap="flat" cmpd="sng" algn="ctr">
-                      <a:noFill/>
-                      <a:prstDash val="solid"/>
-                      <a:round/>
-                      <a:headEnd type="none" w="med" len="med"/>
-                      <a:tailEnd type="none" w="med" len="med"/>
+                    <a:lnT w="12700" cmpd="sng">
+                      <a:noFill/>
                     </a:lnT>
-                    <a:lnB w="12700" cap="flat" cmpd="sng" algn="ctr">
-                      <a:noFill/>
-                      <a:prstDash val="solid"/>
-                      <a:round/>
-                      <a:headEnd type="none" w="med" len="med"/>
-                      <a:tailEnd type="none" w="med" len="med"/>
+                    <a:lnB w="12700" cmpd="sng">
+                      <a:noFill/>
                     </a:lnB>
                     <a:lnTlToBr w="12700" cmpd="sng">
                       <a:noFill/>
@@ -3957,6 +3798,16 @@
                       <a:prstDash val="solid"/>
                     </a:lnBlToTr>
                   </a:tcPr>
+                </a:tc>
+                <a:tc hMerge="1">
+                  <a:txBody>
+                    <a:bodyPr/>
+                    <a:lstStyle/>
+                    <a:p>
+                      <a:endParaRPr lang="en-US"/>
+                    </a:p>
+                  </a:txBody>
+                  <a:tcPr/>
                 </a:tc>
               </a:tr>
               <a:tr h="276599">
@@ -3966,14 +3817,10 @@
                     <a:lstStyle/>
                     <a:p>
                       <a:r>
-                        <a:rPr lang="en-US" sz="1200" b="0" dirty="0" smtClean="0"/>
-                        <a:t>    </a:t>
+                        <a:rPr lang="en-US" sz="1100" dirty="0" smtClean="0"/>
+                        <a:t>    Applicability Confidence</a:t>
                       </a:r>
-                      <a:r>
-                        <a:rPr lang="en-US" sz="1200" b="0" dirty="0" err="1" smtClean="0"/>
-                        <a:t>Applicability_Confidence</a:t>
-                      </a:r>
-                      <a:endParaRPr lang="en-US" sz="1200" b="0" dirty="0"/>
+                      <a:endParaRPr lang="en-US" sz="1100" b="0" dirty="0"/>
                     </a:p>
                   </a:txBody>
                   <a:tcPr>
@@ -3995,19 +3842,38 @@
                       <a:headEnd type="none" w="med" len="med"/>
                       <a:tailEnd type="none" w="med" len="med"/>
                     </a:lnR>
-                    <a:lnT w="12700" cap="flat" cmpd="sng" algn="ctr">
-                      <a:noFill/>
-                      <a:prstDash val="solid"/>
-                      <a:round/>
-                      <a:headEnd type="none" w="med" len="med"/>
-                      <a:tailEnd type="none" w="med" len="med"/>
+                  </a:tcPr>
+                </a:tc>
+                <a:tc>
+                  <a:txBody>
+                    <a:bodyPr/>
+                    <a:lstStyle/>
+                    <a:p>
+                      <a:endParaRPr lang="en-US" sz="1100" dirty="0" smtClean="0"/>
+                    </a:p>
+                  </a:txBody>
+                  <a:tcPr>
+                    <a:lnL w="12700" cap="flat" cmpd="sng" algn="ctr">
+                      <a:solidFill>
+                        <a:schemeClr val="tx1"/>
+                      </a:solidFill>
+                      <a:prstDash val="solid"/>
+                      <a:round/>
+                      <a:headEnd type="none" w="med" len="med"/>
+                      <a:tailEnd type="none" w="med" len="med"/>
+                    </a:lnL>
+                    <a:lnR w="12700" cap="flat" cmpd="sng" algn="ctr">
+                      <a:noFill/>
+                      <a:prstDash val="solid"/>
+                      <a:round/>
+                      <a:headEnd type="none" w="med" len="med"/>
+                      <a:tailEnd type="none" w="med" len="med"/>
+                    </a:lnR>
+                    <a:lnT w="12700" cmpd="sng">
+                      <a:noFill/>
                     </a:lnT>
-                    <a:lnB w="12700" cap="flat" cmpd="sng" algn="ctr">
-                      <a:noFill/>
-                      <a:prstDash val="solid"/>
-                      <a:round/>
-                      <a:headEnd type="none" w="med" len="med"/>
-                      <a:tailEnd type="none" w="med" len="med"/>
+                    <a:lnB w="12700" cmpd="sng">
+                      <a:noFill/>
                     </a:lnB>
                     <a:lnTlToBr w="12700" cmpd="sng">
                       <a:noFill/>
@@ -4024,14 +3890,35 @@
                     <a:bodyPr/>
                     <a:lstStyle/>
                     <a:p>
-                      <a:endParaRPr lang="en-US" sz="1200" dirty="0" smtClean="0"/>
+                      <a:pPr marL="0" marR="0" indent="0" algn="r" defTabSz="914400" rtl="0" eaLnBrk="1" fontAlgn="auto" latinLnBrk="0" hangingPunct="1">
+                        <a:lnSpc>
+                          <a:spcPct val="100000"/>
+                        </a:lnSpc>
+                        <a:spcBef>
+                          <a:spcPts val="0"/>
+                        </a:spcBef>
+                        <a:spcAft>
+                          <a:spcPts val="0"/>
+                        </a:spcAft>
+                        <a:buClrTx/>
+                        <a:buSzTx/>
+                        <a:buFontTx/>
+                        <a:buNone/>
+                        <a:tabLst/>
+                        <a:defRPr/>
+                      </a:pPr>
+                      <a:endParaRPr lang="en-US" sz="1100" dirty="0" smtClean="0">
+                        <a:solidFill>
+                          <a:schemeClr val="bg1">
+                            <a:lumMod val="50000"/>
+                          </a:schemeClr>
+                        </a:solidFill>
+                      </a:endParaRPr>
                     </a:p>
                   </a:txBody>
                   <a:tcPr>
                     <a:lnL w="12700" cap="flat" cmpd="sng" algn="ctr">
-                      <a:solidFill>
-                        <a:schemeClr val="tx1"/>
-                      </a:solidFill>
+                      <a:noFill/>
                       <a:prstDash val="solid"/>
                       <a:round/>
                       <a:headEnd type="none" w="med" len="med"/>
@@ -4046,19 +3933,11 @@
                       <a:headEnd type="none" w="med" len="med"/>
                       <a:tailEnd type="none" w="med" len="med"/>
                     </a:lnR>
-                    <a:lnT w="12700" cap="flat" cmpd="sng" algn="ctr">
-                      <a:noFill/>
-                      <a:prstDash val="solid"/>
-                      <a:round/>
-                      <a:headEnd type="none" w="med" len="med"/>
-                      <a:tailEnd type="none" w="med" len="med"/>
+                    <a:lnT w="12700" cmpd="sng">
+                      <a:noFill/>
                     </a:lnT>
-                    <a:lnB w="12700" cap="flat" cmpd="sng" algn="ctr">
-                      <a:noFill/>
-                      <a:prstDash val="solid"/>
-                      <a:round/>
-                      <a:headEnd type="none" w="med" len="med"/>
-                      <a:tailEnd type="none" w="med" len="med"/>
+                    <a:lnB w="12700" cmpd="sng">
+                      <a:noFill/>
                     </a:lnB>
                     <a:lnTlToBr w="12700" cmpd="sng">
                       <a:noFill/>
@@ -4078,10 +3957,10 @@
                     <a:lstStyle/>
                     <a:p>
                       <a:r>
-                        <a:rPr lang="en-US" sz="1200" b="0" dirty="0" smtClean="0"/>
+                        <a:rPr lang="en-US" sz="1100" dirty="0" smtClean="0"/>
                         <a:t>        Value</a:t>
                       </a:r>
-                      <a:endParaRPr lang="en-US" sz="1200" b="0" dirty="0"/>
+                      <a:endParaRPr lang="en-US" sz="1100" b="0" dirty="0"/>
                     </a:p>
                   </a:txBody>
                   <a:tcPr>
@@ -4103,19 +3982,41 @@
                       <a:headEnd type="none" w="med" len="med"/>
                       <a:tailEnd type="none" w="med" len="med"/>
                     </a:lnR>
-                    <a:lnT w="12700" cap="flat" cmpd="sng" algn="ctr">
-                      <a:noFill/>
-                      <a:prstDash val="solid"/>
-                      <a:round/>
-                      <a:headEnd type="none" w="med" len="med"/>
-                      <a:tailEnd type="none" w="med" len="med"/>
+                  </a:tcPr>
+                </a:tc>
+                <a:tc>
+                  <a:txBody>
+                    <a:bodyPr/>
+                    <a:lstStyle/>
+                    <a:p>
+                      <a:r>
+                        <a:rPr lang="en-US" sz="1100" dirty="0" smtClean="0"/>
+                        <a:t>High</a:t>
+                      </a:r>
+                    </a:p>
+                  </a:txBody>
+                  <a:tcPr>
+                    <a:lnL w="12700" cap="flat" cmpd="sng" algn="ctr">
+                      <a:solidFill>
+                        <a:schemeClr val="tx1"/>
+                      </a:solidFill>
+                      <a:prstDash val="solid"/>
+                      <a:round/>
+                      <a:headEnd type="none" w="med" len="med"/>
+                      <a:tailEnd type="none" w="med" len="med"/>
+                    </a:lnL>
+                    <a:lnR w="12700" cap="flat" cmpd="sng" algn="ctr">
+                      <a:noFill/>
+                      <a:prstDash val="solid"/>
+                      <a:round/>
+                      <a:headEnd type="none" w="med" len="med"/>
+                      <a:tailEnd type="none" w="med" len="med"/>
+                    </a:lnR>
+                    <a:lnT w="12700" cmpd="sng">
+                      <a:noFill/>
                     </a:lnT>
-                    <a:lnB w="12700" cap="flat" cmpd="sng" algn="ctr">
-                      <a:noFill/>
-                      <a:prstDash val="solid"/>
-                      <a:round/>
-                      <a:headEnd type="none" w="med" len="med"/>
-                      <a:tailEnd type="none" w="med" len="med"/>
+                    <a:lnB w="12700" cmpd="sng">
+                      <a:noFill/>
                     </a:lnB>
                     <a:lnTlToBr w="12700" cmpd="sng">
                       <a:noFill/>
@@ -4132,48 +4033,38 @@
                     <a:bodyPr/>
                     <a:lstStyle/>
                     <a:p>
+                      <a:pPr marL="0" marR="0" indent="0" algn="r" defTabSz="914400" rtl="0" eaLnBrk="1" fontAlgn="auto" latinLnBrk="0" hangingPunct="1">
+                        <a:lnSpc>
+                          <a:spcPct val="100000"/>
+                        </a:lnSpc>
+                        <a:spcBef>
+                          <a:spcPts val="0"/>
+                        </a:spcBef>
+                        <a:spcAft>
+                          <a:spcPts val="0"/>
+                        </a:spcAft>
+                        <a:buClrTx/>
+                        <a:buSzTx/>
+                        <a:buFontTx/>
+                        <a:buNone/>
+                        <a:tabLst/>
+                        <a:defRPr/>
+                      </a:pPr>
                       <a:r>
-                        <a:rPr lang="en-US" sz="1200" b="1" i="0" dirty="0" err="1" smtClean="0"/>
-                        <a:t>xsi:type</a:t>
-                      </a:r>
-                      <a:r>
-                        <a:rPr lang="en-US" sz="1200" b="1" i="0" dirty="0" smtClean="0"/>
-                        <a:t>:</a:t>
-                      </a:r>
-                      <a:r>
-                        <a:rPr lang="en-US" sz="1200" b="1" dirty="0" smtClean="0"/>
-                        <a:t> </a:t>
-                      </a:r>
-                      <a:r>
-                        <a:rPr lang="en-US" sz="1200" b="0" dirty="0" smtClean="0"/>
+                        <a:rPr lang="en-US" sz="1100" dirty="0" smtClean="0">
+                          <a:solidFill>
+                            <a:schemeClr val="bg1">
+                              <a:lumMod val="50000"/>
+                            </a:schemeClr>
+                          </a:solidFill>
+                        </a:rPr>
                         <a:t>HighMediumLowVocab-1.0</a:t>
                       </a:r>
                     </a:p>
-                    <a:p>
-                      <a:r>
-                        <a:rPr lang="en-US" sz="1200" b="1" i="0" dirty="0" smtClean="0"/>
-                        <a:t>value:</a:t>
-                      </a:r>
-                      <a:r>
-                        <a:rPr lang="en-US" sz="1200" b="0" i="1" dirty="0" smtClean="0"/>
-                        <a:t> </a:t>
-                      </a:r>
-                      <a:r>
-                        <a:rPr lang="en-US" sz="1200" b="0" i="0" dirty="0" smtClean="0"/>
-                        <a:t>High</a:t>
-                      </a:r>
-                      <a:endParaRPr lang="en-US" sz="1200" dirty="0" smtClean="0"/>
-                    </a:p>
                   </a:txBody>
                   <a:tcPr>
-                    <a:lnL w="12700" cap="flat" cmpd="sng" algn="ctr">
-                      <a:solidFill>
-                        <a:schemeClr val="tx1"/>
-                      </a:solidFill>
-                      <a:prstDash val="solid"/>
-                      <a:round/>
-                      <a:headEnd type="none" w="med" len="med"/>
-                      <a:tailEnd type="none" w="med" len="med"/>
+                    <a:lnL w="12700" cmpd="sng">
+                      <a:noFill/>
                     </a:lnL>
                     <a:lnR w="12700" cap="flat" cmpd="sng" algn="ctr">
                       <a:solidFill>
@@ -4184,19 +4075,11 @@
                       <a:headEnd type="none" w="med" len="med"/>
                       <a:tailEnd type="none" w="med" len="med"/>
                     </a:lnR>
-                    <a:lnT w="12700" cap="flat" cmpd="sng" algn="ctr">
-                      <a:noFill/>
-                      <a:prstDash val="solid"/>
-                      <a:round/>
-                      <a:headEnd type="none" w="med" len="med"/>
-                      <a:tailEnd type="none" w="med" len="med"/>
+                    <a:lnT w="12700" cmpd="sng">
+                      <a:noFill/>
                     </a:lnT>
-                    <a:lnB w="12700" cap="flat" cmpd="sng" algn="ctr">
-                      <a:noFill/>
-                      <a:prstDash val="solid"/>
-                      <a:round/>
-                      <a:headEnd type="none" w="med" len="med"/>
-                      <a:tailEnd type="none" w="med" len="med"/>
+                    <a:lnB w="12700" cmpd="sng">
+                      <a:noFill/>
                     </a:lnB>
                     <a:lnTlToBr w="12700" cmpd="sng">
                       <a:noFill/>
@@ -4216,10 +4099,10 @@
                     <a:lstStyle/>
                     <a:p>
                       <a:r>
-                        <a:rPr lang="en-US" sz="1200" b="0" dirty="0" smtClean="0"/>
+                        <a:rPr lang="en-US" sz="1100" dirty="0" smtClean="0"/>
                         <a:t>Impact</a:t>
                       </a:r>
-                      <a:endParaRPr lang="en-US" sz="1200" b="0" dirty="0"/>
+                      <a:endParaRPr lang="en-US" sz="1100" b="0" dirty="0"/>
                     </a:p>
                   </a:txBody>
                   <a:tcPr>
@@ -4241,19 +4124,38 @@
                       <a:headEnd type="none" w="med" len="med"/>
                       <a:tailEnd type="none" w="med" len="med"/>
                     </a:lnR>
-                    <a:lnT w="12700" cap="flat" cmpd="sng" algn="ctr">
-                      <a:noFill/>
-                      <a:prstDash val="solid"/>
-                      <a:round/>
-                      <a:headEnd type="none" w="med" len="med"/>
-                      <a:tailEnd type="none" w="med" len="med"/>
+                  </a:tcPr>
+                </a:tc>
+                <a:tc>
+                  <a:txBody>
+                    <a:bodyPr/>
+                    <a:lstStyle/>
+                    <a:p>
+                      <a:endParaRPr lang="en-US" sz="1100" dirty="0"/>
+                    </a:p>
+                  </a:txBody>
+                  <a:tcPr>
+                    <a:lnL w="12700" cap="flat" cmpd="sng" algn="ctr">
+                      <a:solidFill>
+                        <a:schemeClr val="tx1"/>
+                      </a:solidFill>
+                      <a:prstDash val="solid"/>
+                      <a:round/>
+                      <a:headEnd type="none" w="med" len="med"/>
+                      <a:tailEnd type="none" w="med" len="med"/>
+                    </a:lnL>
+                    <a:lnR w="12700" cap="flat" cmpd="sng" algn="ctr">
+                      <a:noFill/>
+                      <a:prstDash val="solid"/>
+                      <a:round/>
+                      <a:headEnd type="none" w="med" len="med"/>
+                      <a:tailEnd type="none" w="med" len="med"/>
+                    </a:lnR>
+                    <a:lnT w="12700" cmpd="sng">
+                      <a:noFill/>
                     </a:lnT>
-                    <a:lnB w="12700" cap="flat" cmpd="sng" algn="ctr">
-                      <a:noFill/>
-                      <a:prstDash val="solid"/>
-                      <a:round/>
-                      <a:headEnd type="none" w="med" len="med"/>
-                      <a:tailEnd type="none" w="med" len="med"/>
+                    <a:lnB w="12700" cmpd="sng">
+                      <a:noFill/>
                     </a:lnB>
                     <a:lnTlToBr w="12700" cmpd="sng">
                       <a:noFill/>
@@ -4270,14 +4172,29 @@
                     <a:bodyPr/>
                     <a:lstStyle/>
                     <a:p>
-                      <a:endParaRPr lang="en-US" sz="1200" dirty="0"/>
+                      <a:pPr marL="0" marR="0" indent="0" algn="r" defTabSz="914400" rtl="0" eaLnBrk="1" fontAlgn="auto" latinLnBrk="0" hangingPunct="1">
+                        <a:lnSpc>
+                          <a:spcPct val="100000"/>
+                        </a:lnSpc>
+                        <a:spcBef>
+                          <a:spcPts val="0"/>
+                        </a:spcBef>
+                        <a:spcAft>
+                          <a:spcPts val="0"/>
+                        </a:spcAft>
+                        <a:buClrTx/>
+                        <a:buSzTx/>
+                        <a:buFontTx/>
+                        <a:buNone/>
+                        <a:tabLst/>
+                        <a:defRPr/>
+                      </a:pPr>
+                      <a:endParaRPr lang="en-US" sz="1100" dirty="0"/>
                     </a:p>
                   </a:txBody>
                   <a:tcPr>
                     <a:lnL w="12700" cap="flat" cmpd="sng" algn="ctr">
-                      <a:solidFill>
-                        <a:schemeClr val="tx1"/>
-                      </a:solidFill>
+                      <a:noFill/>
                       <a:prstDash val="solid"/>
                       <a:round/>
                       <a:headEnd type="none" w="med" len="med"/>
@@ -4292,19 +4209,11 @@
                       <a:headEnd type="none" w="med" len="med"/>
                       <a:tailEnd type="none" w="med" len="med"/>
                     </a:lnR>
-                    <a:lnT w="12700" cap="flat" cmpd="sng" algn="ctr">
-                      <a:noFill/>
-                      <a:prstDash val="solid"/>
-                      <a:round/>
-                      <a:headEnd type="none" w="med" len="med"/>
-                      <a:tailEnd type="none" w="med" len="med"/>
+                    <a:lnT w="12700" cmpd="sng">
+                      <a:noFill/>
                     </a:lnT>
-                    <a:lnB w="12700" cap="flat" cmpd="sng" algn="ctr">
-                      <a:noFill/>
-                      <a:prstDash val="solid"/>
-                      <a:round/>
-                      <a:headEnd type="none" w="med" len="med"/>
-                      <a:tailEnd type="none" w="med" len="med"/>
+                    <a:lnB w="12700" cmpd="sng">
+                      <a:noFill/>
                     </a:lnB>
                     <a:lnTlToBr w="12700" cmpd="sng">
                       <a:noFill/>
@@ -4324,10 +4233,10 @@
                     <a:lstStyle/>
                     <a:p>
                       <a:r>
-                        <a:rPr lang="en-US" sz="1200" b="0" dirty="0" smtClean="0"/>
+                        <a:rPr lang="en-US" sz="1100" dirty="0" smtClean="0"/>
                         <a:t>    Value</a:t>
                       </a:r>
-                      <a:endParaRPr lang="en-US" sz="1200" b="0" dirty="0"/>
+                      <a:endParaRPr lang="en-US" sz="1100" b="0" dirty="0"/>
                     </a:p>
                   </a:txBody>
                   <a:tcPr>
@@ -4349,19 +4258,42 @@
                       <a:headEnd type="none" w="med" len="med"/>
                       <a:tailEnd type="none" w="med" len="med"/>
                     </a:lnR>
-                    <a:lnT w="12700" cap="flat" cmpd="sng" algn="ctr">
-                      <a:noFill/>
-                      <a:prstDash val="solid"/>
-                      <a:round/>
-                      <a:headEnd type="none" w="med" len="med"/>
-                      <a:tailEnd type="none" w="med" len="med"/>
+                  </a:tcPr>
+                </a:tc>
+                <a:tc>
+                  <a:txBody>
+                    <a:bodyPr/>
+                    <a:lstStyle/>
+                    <a:p>
+                      <a:r>
+                        <a:rPr lang="en-US" sz="1100" dirty="0" smtClean="0"/>
+                        <a:t>Low</a:t>
+                      </a:r>
+                      <a:endParaRPr lang="en-US" sz="1100" dirty="0"/>
+                    </a:p>
+                  </a:txBody>
+                  <a:tcPr>
+                    <a:lnL w="12700" cap="flat" cmpd="sng" algn="ctr">
+                      <a:solidFill>
+                        <a:schemeClr val="tx1"/>
+                      </a:solidFill>
+                      <a:prstDash val="solid"/>
+                      <a:round/>
+                      <a:headEnd type="none" w="med" len="med"/>
+                      <a:tailEnd type="none" w="med" len="med"/>
+                    </a:lnL>
+                    <a:lnR w="12700" cap="flat" cmpd="sng" algn="ctr">
+                      <a:noFill/>
+                      <a:prstDash val="solid"/>
+                      <a:round/>
+                      <a:headEnd type="none" w="med" len="med"/>
+                      <a:tailEnd type="none" w="med" len="med"/>
+                    </a:lnR>
+                    <a:lnT w="12700" cmpd="sng">
+                      <a:noFill/>
                     </a:lnT>
-                    <a:lnB w="12700" cap="flat" cmpd="sng" algn="ctr">
-                      <a:noFill/>
-                      <a:prstDash val="solid"/>
-                      <a:round/>
-                      <a:headEnd type="none" w="med" len="med"/>
-                      <a:tailEnd type="none" w="med" len="med"/>
+                    <a:lnB w="12700" cmpd="sng">
+                      <a:noFill/>
                     </a:lnB>
                     <a:lnTlToBr w="12700" cmpd="sng">
                       <a:noFill/>
@@ -4378,48 +4310,39 @@
                     <a:bodyPr/>
                     <a:lstStyle/>
                     <a:p>
+                      <a:pPr marL="0" marR="0" indent="0" algn="r" defTabSz="914400" rtl="0" eaLnBrk="1" fontAlgn="auto" latinLnBrk="0" hangingPunct="1">
+                        <a:lnSpc>
+                          <a:spcPct val="100000"/>
+                        </a:lnSpc>
+                        <a:spcBef>
+                          <a:spcPts val="0"/>
+                        </a:spcBef>
+                        <a:spcAft>
+                          <a:spcPts val="0"/>
+                        </a:spcAft>
+                        <a:buClrTx/>
+                        <a:buSzTx/>
+                        <a:buFontTx/>
+                        <a:buNone/>
+                        <a:tabLst/>
+                        <a:defRPr/>
+                      </a:pPr>
                       <a:r>
-                        <a:rPr lang="en-US" sz="1200" b="1" i="0" dirty="0" err="1" smtClean="0"/>
-                        <a:t>xsi:type</a:t>
-                      </a:r>
-                      <a:r>
-                        <a:rPr lang="en-US" sz="1200" b="1" i="0" dirty="0" smtClean="0"/>
-                        <a:t>:</a:t>
-                      </a:r>
-                      <a:r>
-                        <a:rPr lang="en-US" sz="1200" b="1" dirty="0" smtClean="0"/>
-                        <a:t> </a:t>
-                      </a:r>
-                      <a:r>
-                        <a:rPr lang="en-US" sz="1200" b="0" dirty="0" smtClean="0"/>
+                        <a:rPr lang="en-US" sz="1100" dirty="0" smtClean="0">
+                          <a:solidFill>
+                            <a:schemeClr val="bg1">
+                              <a:lumMod val="50000"/>
+                            </a:schemeClr>
+                          </a:solidFill>
+                        </a:rPr>
                         <a:t>HighMediumLowVocab-1.0</a:t>
                       </a:r>
-                    </a:p>
-                    <a:p>
-                      <a:r>
-                        <a:rPr lang="en-US" sz="1200" b="1" i="0" dirty="0" smtClean="0"/>
-                        <a:t>value:</a:t>
-                      </a:r>
-                      <a:r>
-                        <a:rPr lang="en-US" sz="1200" b="0" i="1" dirty="0" smtClean="0"/>
-                        <a:t> </a:t>
-                      </a:r>
-                      <a:r>
-                        <a:rPr lang="en-US" sz="1200" b="0" i="0" dirty="0" smtClean="0"/>
-                        <a:t>Low</a:t>
-                      </a:r>
-                      <a:endParaRPr lang="en-US" sz="1200" dirty="0" smtClean="0"/>
+                      <a:endParaRPr lang="en-US" sz="1100" dirty="0"/>
                     </a:p>
                   </a:txBody>
                   <a:tcPr>
-                    <a:lnL w="12700" cap="flat" cmpd="sng" algn="ctr">
-                      <a:solidFill>
-                        <a:schemeClr val="tx1"/>
-                      </a:solidFill>
-                      <a:prstDash val="solid"/>
-                      <a:round/>
-                      <a:headEnd type="none" w="med" len="med"/>
-                      <a:tailEnd type="none" w="med" len="med"/>
+                    <a:lnL w="12700" cmpd="sng">
+                      <a:noFill/>
                     </a:lnL>
                     <a:lnR w="12700" cap="flat" cmpd="sng" algn="ctr">
                       <a:solidFill>
@@ -4430,19 +4353,11 @@
                       <a:headEnd type="none" w="med" len="med"/>
                       <a:tailEnd type="none" w="med" len="med"/>
                     </a:lnR>
-                    <a:lnT w="12700" cap="flat" cmpd="sng" algn="ctr">
-                      <a:noFill/>
-                      <a:prstDash val="solid"/>
-                      <a:round/>
-                      <a:headEnd type="none" w="med" len="med"/>
-                      <a:tailEnd type="none" w="med" len="med"/>
+                    <a:lnT w="12700" cmpd="sng">
+                      <a:noFill/>
                     </a:lnT>
-                    <a:lnB w="12700" cap="flat" cmpd="sng" algn="ctr">
-                      <a:noFill/>
-                      <a:prstDash val="solid"/>
-                      <a:round/>
-                      <a:headEnd type="none" w="med" len="med"/>
-                      <a:tailEnd type="none" w="med" len="med"/>
+                    <a:lnB w="12700" cmpd="sng">
+                      <a:noFill/>
                     </a:lnB>
                     <a:lnTlToBr w="12700" cmpd="sng">
                       <a:noFill/>
@@ -4462,10 +4377,10 @@
                     <a:lstStyle/>
                     <a:p>
                       <a:r>
-                        <a:rPr lang="en-US" sz="1200" b="0" dirty="0" smtClean="0"/>
+                        <a:rPr lang="en-US" sz="1100" dirty="0" smtClean="0"/>
                         <a:t>    Description</a:t>
                       </a:r>
-                      <a:endParaRPr lang="en-US" sz="1200" b="0" dirty="0"/>
+                      <a:endParaRPr lang="en-US" sz="1100" b="0" dirty="0"/>
                     </a:p>
                   </a:txBody>
                   <a:tcPr>
@@ -4487,44 +4402,22 @@
                       <a:headEnd type="none" w="med" len="med"/>
                       <a:tailEnd type="none" w="med" len="med"/>
                     </a:lnR>
-                    <a:lnT w="12700" cap="flat" cmpd="sng" algn="ctr">
-                      <a:noFill/>
-                      <a:prstDash val="solid"/>
-                      <a:round/>
-                      <a:headEnd type="none" w="med" len="med"/>
-                      <a:tailEnd type="none" w="med" len="med"/>
-                    </a:lnT>
-                    <a:lnB w="12700" cap="flat" cmpd="sng" algn="ctr">
-                      <a:noFill/>
-                      <a:prstDash val="solid"/>
-                      <a:round/>
-                      <a:headEnd type="none" w="med" len="med"/>
-                      <a:tailEnd type="none" w="med" len="med"/>
-                    </a:lnB>
-                    <a:lnTlToBr w="12700" cmpd="sng">
-                      <a:noFill/>
-                      <a:prstDash val="solid"/>
-                    </a:lnTlToBr>
-                    <a:lnBlToTr w="12700" cmpd="sng">
-                      <a:noFill/>
-                      <a:prstDash val="solid"/>
-                    </a:lnBlToTr>
                   </a:tcPr>
                 </a:tc>
-                <a:tc>
+                <a:tc gridSpan="2">
                   <a:txBody>
                     <a:bodyPr/>
                     <a:lstStyle/>
                     <a:p>
                       <a:r>
-                        <a:rPr lang="en-US" sz="1200" dirty="0" smtClean="0"/>
+                        <a:rPr lang="en-US" sz="1100" dirty="0" smtClean="0"/>
                         <a:t>This IP address is not used</a:t>
                       </a:r>
                       <a:r>
-                        <a:rPr lang="en-US" sz="1200" baseline="0" dirty="0" smtClean="0"/>
+                        <a:rPr lang="en-US" sz="1100" baseline="0" dirty="0" smtClean="0"/>
                         <a:t> for legitimate hosting so there should be no operational impact.</a:t>
                       </a:r>
-                      <a:endParaRPr lang="en-US" sz="1200" dirty="0"/>
+                      <a:endParaRPr lang="en-US" sz="1100" dirty="0"/>
                     </a:p>
                   </a:txBody>
                   <a:tcPr>
@@ -4546,19 +4439,11 @@
                       <a:headEnd type="none" w="med" len="med"/>
                       <a:tailEnd type="none" w="med" len="med"/>
                     </a:lnR>
-                    <a:lnT w="12700" cap="flat" cmpd="sng" algn="ctr">
-                      <a:noFill/>
-                      <a:prstDash val="solid"/>
-                      <a:round/>
-                      <a:headEnd type="none" w="med" len="med"/>
-                      <a:tailEnd type="none" w="med" len="med"/>
+                    <a:lnT w="12700" cmpd="sng">
+                      <a:noFill/>
                     </a:lnT>
-                    <a:lnB w="12700" cap="flat" cmpd="sng" algn="ctr">
-                      <a:noFill/>
-                      <a:prstDash val="solid"/>
-                      <a:round/>
-                      <a:headEnd type="none" w="med" len="med"/>
-                      <a:tailEnd type="none" w="med" len="med"/>
+                    <a:lnB w="12700" cmpd="sng">
+                      <a:noFill/>
                     </a:lnB>
                     <a:lnTlToBr w="12700" cmpd="sng">
                       <a:noFill/>
@@ -4569,6 +4454,16 @@
                       <a:prstDash val="solid"/>
                     </a:lnBlToTr>
                   </a:tcPr>
+                </a:tc>
+                <a:tc hMerge="1">
+                  <a:txBody>
+                    <a:bodyPr/>
+                    <a:lstStyle/>
+                    <a:p>
+                      <a:endParaRPr lang="en-US"/>
+                    </a:p>
+                  </a:txBody>
+                  <a:tcPr/>
                 </a:tc>
               </a:tr>
               <a:tr h="276599">
@@ -4578,9 +4473,10 @@
                     <a:lstStyle/>
                     <a:p>
                       <a:r>
-                        <a:rPr lang="en-US" sz="1200" b="0" dirty="0" smtClean="0"/>
+                        <a:rPr lang="en-US" sz="1100" dirty="0" smtClean="0"/>
                         <a:t>Cost</a:t>
                       </a:r>
+                      <a:endParaRPr lang="en-US" sz="1100" b="0" dirty="0" smtClean="0"/>
                     </a:p>
                   </a:txBody>
                   <a:tcPr>
@@ -4602,19 +4498,38 @@
                       <a:headEnd type="none" w="med" len="med"/>
                       <a:tailEnd type="none" w="med" len="med"/>
                     </a:lnR>
-                    <a:lnT w="12700" cap="flat" cmpd="sng" algn="ctr">
-                      <a:noFill/>
-                      <a:prstDash val="solid"/>
-                      <a:round/>
-                      <a:headEnd type="none" w="med" len="med"/>
-                      <a:tailEnd type="none" w="med" len="med"/>
+                  </a:tcPr>
+                </a:tc>
+                <a:tc>
+                  <a:txBody>
+                    <a:bodyPr/>
+                    <a:lstStyle/>
+                    <a:p>
+                      <a:endParaRPr lang="en-US" sz="1100" dirty="0"/>
+                    </a:p>
+                  </a:txBody>
+                  <a:tcPr>
+                    <a:lnL w="12700" cap="flat" cmpd="sng" algn="ctr">
+                      <a:solidFill>
+                        <a:schemeClr val="tx1"/>
+                      </a:solidFill>
+                      <a:prstDash val="solid"/>
+                      <a:round/>
+                      <a:headEnd type="none" w="med" len="med"/>
+                      <a:tailEnd type="none" w="med" len="med"/>
+                    </a:lnL>
+                    <a:lnR w="12700" cap="flat" cmpd="sng" algn="ctr">
+                      <a:noFill/>
+                      <a:prstDash val="solid"/>
+                      <a:round/>
+                      <a:headEnd type="none" w="med" len="med"/>
+                      <a:tailEnd type="none" w="med" len="med"/>
+                    </a:lnR>
+                    <a:lnT w="12700" cmpd="sng">
+                      <a:noFill/>
                     </a:lnT>
-                    <a:lnB w="12700" cap="flat" cmpd="sng" algn="ctr">
-                      <a:noFill/>
-                      <a:prstDash val="solid"/>
-                      <a:round/>
-                      <a:headEnd type="none" w="med" len="med"/>
-                      <a:tailEnd type="none" w="med" len="med"/>
+                    <a:lnB w="12700" cmpd="sng">
+                      <a:noFill/>
                     </a:lnB>
                     <a:lnTlToBr w="12700" cmpd="sng">
                       <a:noFill/>
@@ -4631,14 +4546,35 @@
                     <a:bodyPr/>
                     <a:lstStyle/>
                     <a:p>
-                      <a:endParaRPr lang="en-US" sz="1200" dirty="0"/>
+                      <a:pPr marL="0" marR="0" indent="0" algn="r" defTabSz="914400" rtl="0" eaLnBrk="1" fontAlgn="auto" latinLnBrk="0" hangingPunct="1">
+                        <a:lnSpc>
+                          <a:spcPct val="100000"/>
+                        </a:lnSpc>
+                        <a:spcBef>
+                          <a:spcPts val="0"/>
+                        </a:spcBef>
+                        <a:spcAft>
+                          <a:spcPts val="0"/>
+                        </a:spcAft>
+                        <a:buClrTx/>
+                        <a:buSzTx/>
+                        <a:buFontTx/>
+                        <a:buNone/>
+                        <a:tabLst/>
+                        <a:defRPr/>
+                      </a:pPr>
+                      <a:endParaRPr lang="en-US" sz="1100" dirty="0" smtClean="0">
+                        <a:solidFill>
+                          <a:schemeClr val="bg1">
+                            <a:lumMod val="50000"/>
+                          </a:schemeClr>
+                        </a:solidFill>
+                      </a:endParaRPr>
                     </a:p>
                   </a:txBody>
                   <a:tcPr>
                     <a:lnL w="12700" cap="flat" cmpd="sng" algn="ctr">
-                      <a:solidFill>
-                        <a:schemeClr val="tx1"/>
-                      </a:solidFill>
+                      <a:noFill/>
                       <a:prstDash val="solid"/>
                       <a:round/>
                       <a:headEnd type="none" w="med" len="med"/>
@@ -4653,19 +4589,11 @@
                       <a:headEnd type="none" w="med" len="med"/>
                       <a:tailEnd type="none" w="med" len="med"/>
                     </a:lnR>
-                    <a:lnT w="12700" cap="flat" cmpd="sng" algn="ctr">
-                      <a:noFill/>
-                      <a:prstDash val="solid"/>
-                      <a:round/>
-                      <a:headEnd type="none" w="med" len="med"/>
-                      <a:tailEnd type="none" w="med" len="med"/>
+                    <a:lnT w="12700" cmpd="sng">
+                      <a:noFill/>
                     </a:lnT>
-                    <a:lnB w="12700" cap="flat" cmpd="sng" algn="ctr">
-                      <a:noFill/>
-                      <a:prstDash val="solid"/>
-                      <a:round/>
-                      <a:headEnd type="none" w="med" len="med"/>
-                      <a:tailEnd type="none" w="med" len="med"/>
+                    <a:lnB w="12700" cmpd="sng">
+                      <a:noFill/>
                     </a:lnB>
                     <a:lnTlToBr w="12700" cmpd="sng">
                       <a:noFill/>
@@ -4685,10 +4613,10 @@
                     <a:lstStyle/>
                     <a:p>
                       <a:r>
-                        <a:rPr lang="en-US" sz="1200" b="0" dirty="0" smtClean="0"/>
+                        <a:rPr lang="en-US" sz="1100" dirty="0" smtClean="0"/>
                         <a:t>    Value</a:t>
                       </a:r>
-                      <a:endParaRPr lang="en-US" sz="1200" b="0" dirty="0"/>
+                      <a:endParaRPr lang="en-US" sz="1100" b="0" dirty="0"/>
                     </a:p>
                   </a:txBody>
                   <a:tcPr>
@@ -4710,19 +4638,42 @@
                       <a:headEnd type="none" w="med" len="med"/>
                       <a:tailEnd type="none" w="med" len="med"/>
                     </a:lnR>
-                    <a:lnT w="12700" cap="flat" cmpd="sng" algn="ctr">
-                      <a:noFill/>
-                      <a:prstDash val="solid"/>
-                      <a:round/>
-                      <a:headEnd type="none" w="med" len="med"/>
-                      <a:tailEnd type="none" w="med" len="med"/>
+                  </a:tcPr>
+                </a:tc>
+                <a:tc>
+                  <a:txBody>
+                    <a:bodyPr/>
+                    <a:lstStyle/>
+                    <a:p>
+                      <a:r>
+                        <a:rPr lang="en-US" sz="1100" dirty="0" smtClean="0"/>
+                        <a:t>Low</a:t>
+                      </a:r>
+                      <a:endParaRPr lang="en-US" sz="1100" dirty="0"/>
+                    </a:p>
+                  </a:txBody>
+                  <a:tcPr>
+                    <a:lnL w="12700" cap="flat" cmpd="sng" algn="ctr">
+                      <a:solidFill>
+                        <a:schemeClr val="tx1"/>
+                      </a:solidFill>
+                      <a:prstDash val="solid"/>
+                      <a:round/>
+                      <a:headEnd type="none" w="med" len="med"/>
+                      <a:tailEnd type="none" w="med" len="med"/>
+                    </a:lnL>
+                    <a:lnR w="12700" cap="flat" cmpd="sng" algn="ctr">
+                      <a:noFill/>
+                      <a:prstDash val="solid"/>
+                      <a:round/>
+                      <a:headEnd type="none" w="med" len="med"/>
+                      <a:tailEnd type="none" w="med" len="med"/>
+                    </a:lnR>
+                    <a:lnT w="12700" cmpd="sng">
+                      <a:noFill/>
                     </a:lnT>
-                    <a:lnB w="12700" cap="flat" cmpd="sng" algn="ctr">
-                      <a:noFill/>
-                      <a:prstDash val="solid"/>
-                      <a:round/>
-                      <a:headEnd type="none" w="med" len="med"/>
-                      <a:tailEnd type="none" w="med" len="med"/>
+                    <a:lnB w="12700" cmpd="sng">
+                      <a:noFill/>
                     </a:lnB>
                     <a:lnTlToBr w="12700" cmpd="sng">
                       <a:noFill/>
@@ -4739,48 +4690,39 @@
                     <a:bodyPr/>
                     <a:lstStyle/>
                     <a:p>
+                      <a:pPr marL="0" marR="0" indent="0" algn="r" defTabSz="914400" rtl="0" eaLnBrk="1" fontAlgn="auto" latinLnBrk="0" hangingPunct="1">
+                        <a:lnSpc>
+                          <a:spcPct val="100000"/>
+                        </a:lnSpc>
+                        <a:spcBef>
+                          <a:spcPts val="0"/>
+                        </a:spcBef>
+                        <a:spcAft>
+                          <a:spcPts val="0"/>
+                        </a:spcAft>
+                        <a:buClrTx/>
+                        <a:buSzTx/>
+                        <a:buFontTx/>
+                        <a:buNone/>
+                        <a:tabLst/>
+                        <a:defRPr/>
+                      </a:pPr>
                       <a:r>
-                        <a:rPr lang="en-US" sz="1200" b="1" i="0" dirty="0" err="1" smtClean="0"/>
-                        <a:t>xsi:type</a:t>
-                      </a:r>
-                      <a:r>
-                        <a:rPr lang="en-US" sz="1200" b="1" i="0" dirty="0" smtClean="0"/>
-                        <a:t>:</a:t>
-                      </a:r>
-                      <a:r>
-                        <a:rPr lang="en-US" sz="1200" b="1" dirty="0" smtClean="0"/>
-                        <a:t> </a:t>
-                      </a:r>
-                      <a:r>
-                        <a:rPr lang="en-US" sz="1200" b="0" dirty="0" smtClean="0"/>
+                        <a:rPr lang="en-US" sz="1100" dirty="0" smtClean="0">
+                          <a:solidFill>
+                            <a:schemeClr val="bg1">
+                              <a:lumMod val="50000"/>
+                            </a:schemeClr>
+                          </a:solidFill>
+                        </a:rPr>
                         <a:t>HighMediumLowVocab-1.0</a:t>
                       </a:r>
-                    </a:p>
-                    <a:p>
-                      <a:r>
-                        <a:rPr lang="en-US" sz="1200" b="1" i="0" dirty="0" smtClean="0"/>
-                        <a:t>value:</a:t>
-                      </a:r>
-                      <a:r>
-                        <a:rPr lang="en-US" sz="1200" b="0" i="1" dirty="0" smtClean="0"/>
-                        <a:t> </a:t>
-                      </a:r>
-                      <a:r>
-                        <a:rPr lang="en-US" sz="1200" b="0" i="0" dirty="0" smtClean="0"/>
-                        <a:t>Low</a:t>
-                      </a:r>
-                      <a:endParaRPr lang="en-US" sz="1200" dirty="0" smtClean="0"/>
+                      <a:endParaRPr lang="en-US" sz="1100" dirty="0"/>
                     </a:p>
                   </a:txBody>
                   <a:tcPr>
-                    <a:lnL w="12700" cap="flat" cmpd="sng" algn="ctr">
-                      <a:solidFill>
-                        <a:schemeClr val="tx1"/>
-                      </a:solidFill>
-                      <a:prstDash val="solid"/>
-                      <a:round/>
-                      <a:headEnd type="none" w="med" len="med"/>
-                      <a:tailEnd type="none" w="med" len="med"/>
+                    <a:lnL w="12700" cmpd="sng">
+                      <a:noFill/>
                     </a:lnL>
                     <a:lnR w="12700" cap="flat" cmpd="sng" algn="ctr">
                       <a:solidFill>
@@ -4791,19 +4733,11 @@
                       <a:headEnd type="none" w="med" len="med"/>
                       <a:tailEnd type="none" w="med" len="med"/>
                     </a:lnR>
-                    <a:lnT w="12700" cap="flat" cmpd="sng" algn="ctr">
-                      <a:noFill/>
-                      <a:prstDash val="solid"/>
-                      <a:round/>
-                      <a:headEnd type="none" w="med" len="med"/>
-                      <a:tailEnd type="none" w="med" len="med"/>
+                    <a:lnT w="12700" cmpd="sng">
+                      <a:noFill/>
                     </a:lnT>
-                    <a:lnB w="12700" cap="flat" cmpd="sng" algn="ctr">
-                      <a:noFill/>
-                      <a:prstDash val="solid"/>
-                      <a:round/>
-                      <a:headEnd type="none" w="med" len="med"/>
-                      <a:tailEnd type="none" w="med" len="med"/>
+                    <a:lnB w="12700" cmpd="sng">
+                      <a:noFill/>
                     </a:lnB>
                     <a:lnTlToBr w="12700" cmpd="sng">
                       <a:noFill/>
@@ -4823,10 +4757,10 @@
                     <a:lstStyle/>
                     <a:p>
                       <a:r>
-                        <a:rPr lang="en-US" sz="1200" b="0" dirty="0" smtClean="0"/>
+                        <a:rPr lang="en-US" sz="1100" dirty="0" smtClean="0"/>
                         <a:t>Efficacy</a:t>
                       </a:r>
-                      <a:endParaRPr lang="en-US" sz="1200" b="0" dirty="0"/>
+                      <a:endParaRPr lang="en-US" sz="1100" b="0" dirty="0"/>
                     </a:p>
                   </a:txBody>
                   <a:tcPr>
@@ -4848,19 +4782,38 @@
                       <a:headEnd type="none" w="med" len="med"/>
                       <a:tailEnd type="none" w="med" len="med"/>
                     </a:lnR>
-                    <a:lnT w="12700" cap="flat" cmpd="sng" algn="ctr">
-                      <a:noFill/>
-                      <a:prstDash val="solid"/>
-                      <a:round/>
-                      <a:headEnd type="none" w="med" len="med"/>
-                      <a:tailEnd type="none" w="med" len="med"/>
+                  </a:tcPr>
+                </a:tc>
+                <a:tc>
+                  <a:txBody>
+                    <a:bodyPr/>
+                    <a:lstStyle/>
+                    <a:p>
+                      <a:endParaRPr lang="en-US" sz="1100" dirty="0" smtClean="0"/>
+                    </a:p>
+                  </a:txBody>
+                  <a:tcPr>
+                    <a:lnL w="12700" cap="flat" cmpd="sng" algn="ctr">
+                      <a:solidFill>
+                        <a:schemeClr val="tx1"/>
+                      </a:solidFill>
+                      <a:prstDash val="solid"/>
+                      <a:round/>
+                      <a:headEnd type="none" w="med" len="med"/>
+                      <a:tailEnd type="none" w="med" len="med"/>
+                    </a:lnL>
+                    <a:lnR w="12700" cap="flat" cmpd="sng" algn="ctr">
+                      <a:noFill/>
+                      <a:prstDash val="solid"/>
+                      <a:round/>
+                      <a:headEnd type="none" w="med" len="med"/>
+                      <a:tailEnd type="none" w="med" len="med"/>
+                    </a:lnR>
+                    <a:lnT w="12700" cmpd="sng">
+                      <a:noFill/>
                     </a:lnT>
-                    <a:lnB w="12700" cap="flat" cmpd="sng" algn="ctr">
-                      <a:noFill/>
-                      <a:prstDash val="solid"/>
-                      <a:round/>
-                      <a:headEnd type="none" w="med" len="med"/>
-                      <a:tailEnd type="none" w="med" len="med"/>
+                    <a:lnB w="12700" cmpd="sng">
+                      <a:noFill/>
                     </a:lnB>
                     <a:lnTlToBr w="12700" cmpd="sng">
                       <a:noFill/>
@@ -4877,14 +4830,35 @@
                     <a:bodyPr/>
                     <a:lstStyle/>
                     <a:p>
-                      <a:endParaRPr lang="en-US" sz="1200" dirty="0" smtClean="0"/>
+                      <a:pPr marL="0" marR="0" indent="0" algn="r" defTabSz="914400" rtl="0" eaLnBrk="1" fontAlgn="auto" latinLnBrk="0" hangingPunct="1">
+                        <a:lnSpc>
+                          <a:spcPct val="100000"/>
+                        </a:lnSpc>
+                        <a:spcBef>
+                          <a:spcPts val="0"/>
+                        </a:spcBef>
+                        <a:spcAft>
+                          <a:spcPts val="0"/>
+                        </a:spcAft>
+                        <a:buClrTx/>
+                        <a:buSzTx/>
+                        <a:buFontTx/>
+                        <a:buNone/>
+                        <a:tabLst/>
+                        <a:defRPr/>
+                      </a:pPr>
+                      <a:endParaRPr lang="en-US" sz="1100" dirty="0" smtClean="0">
+                        <a:solidFill>
+                          <a:schemeClr val="bg1">
+                            <a:lumMod val="50000"/>
+                          </a:schemeClr>
+                        </a:solidFill>
+                      </a:endParaRPr>
                     </a:p>
                   </a:txBody>
                   <a:tcPr>
                     <a:lnL w="12700" cap="flat" cmpd="sng" algn="ctr">
-                      <a:solidFill>
-                        <a:schemeClr val="tx1"/>
-                      </a:solidFill>
+                      <a:noFill/>
                       <a:prstDash val="solid"/>
                       <a:round/>
                       <a:headEnd type="none" w="med" len="med"/>
@@ -4899,19 +4873,11 @@
                       <a:headEnd type="none" w="med" len="med"/>
                       <a:tailEnd type="none" w="med" len="med"/>
                     </a:lnR>
-                    <a:lnT w="12700" cap="flat" cmpd="sng" algn="ctr">
-                      <a:noFill/>
-                      <a:prstDash val="solid"/>
-                      <a:round/>
-                      <a:headEnd type="none" w="med" len="med"/>
-                      <a:tailEnd type="none" w="med" len="med"/>
+                    <a:lnT w="12700" cmpd="sng">
+                      <a:noFill/>
                     </a:lnT>
-                    <a:lnB w="12700" cap="flat" cmpd="sng" algn="ctr">
-                      <a:noFill/>
-                      <a:prstDash val="solid"/>
-                      <a:round/>
-                      <a:headEnd type="none" w="med" len="med"/>
-                      <a:tailEnd type="none" w="med" len="med"/>
+                    <a:lnB w="12700" cmpd="sng">
+                      <a:noFill/>
                     </a:lnB>
                     <a:lnTlToBr w="12700" cmpd="sng">
                       <a:noFill/>
@@ -4931,10 +4897,10 @@
                     <a:lstStyle/>
                     <a:p>
                       <a:r>
-                        <a:rPr lang="en-US" sz="1200" b="0" dirty="0" smtClean="0"/>
+                        <a:rPr lang="en-US" sz="1100" dirty="0" smtClean="0"/>
                         <a:t>    Value</a:t>
                       </a:r>
-                      <a:endParaRPr lang="en-US" sz="1200" b="0" dirty="0"/>
+                      <a:endParaRPr lang="en-US" sz="1100" b="0" dirty="0"/>
                     </a:p>
                   </a:txBody>
                   <a:tcPr>
@@ -4956,19 +4922,42 @@
                       <a:headEnd type="none" w="med" len="med"/>
                       <a:tailEnd type="none" w="med" len="med"/>
                     </a:lnR>
-                    <a:lnT w="12700" cap="flat" cmpd="sng" algn="ctr">
-                      <a:noFill/>
-                      <a:prstDash val="solid"/>
-                      <a:round/>
-                      <a:headEnd type="none" w="med" len="med"/>
-                      <a:tailEnd type="none" w="med" len="med"/>
+                  </a:tcPr>
+                </a:tc>
+                <a:tc>
+                  <a:txBody>
+                    <a:bodyPr/>
+                    <a:lstStyle/>
+                    <a:p>
+                      <a:r>
+                        <a:rPr lang="en-US" sz="1100" dirty="0" smtClean="0"/>
+                        <a:t>High</a:t>
+                      </a:r>
+                      <a:endParaRPr lang="en-US" sz="1100" dirty="0"/>
+                    </a:p>
+                  </a:txBody>
+                  <a:tcPr>
+                    <a:lnL w="12700" cap="flat" cmpd="sng" algn="ctr">
+                      <a:solidFill>
+                        <a:schemeClr val="tx1"/>
+                      </a:solidFill>
+                      <a:prstDash val="solid"/>
+                      <a:round/>
+                      <a:headEnd type="none" w="med" len="med"/>
+                      <a:tailEnd type="none" w="med" len="med"/>
+                    </a:lnL>
+                    <a:lnR w="12700" cap="flat" cmpd="sng" algn="ctr">
+                      <a:noFill/>
+                      <a:prstDash val="solid"/>
+                      <a:round/>
+                      <a:headEnd type="none" w="med" len="med"/>
+                      <a:tailEnd type="none" w="med" len="med"/>
+                    </a:lnR>
+                    <a:lnT w="12700" cmpd="sng">
+                      <a:noFill/>
                     </a:lnT>
-                    <a:lnB w="12700" cap="flat" cmpd="sng" algn="ctr">
-                      <a:noFill/>
-                      <a:prstDash val="solid"/>
-                      <a:round/>
-                      <a:headEnd type="none" w="med" len="med"/>
-                      <a:tailEnd type="none" w="med" len="med"/>
+                    <a:lnB w="12700" cmpd="sng">
+                      <a:noFill/>
                     </a:lnB>
                     <a:lnTlToBr w="12700" cmpd="sng">
                       <a:noFill/>
@@ -4985,48 +4974,39 @@
                     <a:bodyPr/>
                     <a:lstStyle/>
                     <a:p>
+                      <a:pPr marL="0" marR="0" indent="0" algn="r" defTabSz="914400" rtl="0" eaLnBrk="1" fontAlgn="auto" latinLnBrk="0" hangingPunct="1">
+                        <a:lnSpc>
+                          <a:spcPct val="100000"/>
+                        </a:lnSpc>
+                        <a:spcBef>
+                          <a:spcPts val="0"/>
+                        </a:spcBef>
+                        <a:spcAft>
+                          <a:spcPts val="0"/>
+                        </a:spcAft>
+                        <a:buClrTx/>
+                        <a:buSzTx/>
+                        <a:buFontTx/>
+                        <a:buNone/>
+                        <a:tabLst/>
+                        <a:defRPr/>
+                      </a:pPr>
                       <a:r>
-                        <a:rPr lang="en-US" sz="1200" b="1" i="0" dirty="0" err="1" smtClean="0"/>
-                        <a:t>xsi:type</a:t>
-                      </a:r>
-                      <a:r>
-                        <a:rPr lang="en-US" sz="1200" b="1" i="0" dirty="0" smtClean="0"/>
-                        <a:t>:</a:t>
-                      </a:r>
-                      <a:r>
-                        <a:rPr lang="en-US" sz="1200" b="1" dirty="0" smtClean="0"/>
-                        <a:t> </a:t>
-                      </a:r>
-                      <a:r>
-                        <a:rPr lang="en-US" sz="1200" b="0" dirty="0" smtClean="0"/>
+                        <a:rPr lang="en-US" sz="1100" dirty="0" smtClean="0">
+                          <a:solidFill>
+                            <a:schemeClr val="bg1">
+                              <a:lumMod val="50000"/>
+                            </a:schemeClr>
+                          </a:solidFill>
+                        </a:rPr>
                         <a:t>HighMediumLowVocab-1.0</a:t>
                       </a:r>
-                    </a:p>
-                    <a:p>
-                      <a:r>
-                        <a:rPr lang="en-US" sz="1200" b="1" i="0" dirty="0" smtClean="0"/>
-                        <a:t>value:</a:t>
-                      </a:r>
-                      <a:r>
-                        <a:rPr lang="en-US" sz="1200" b="0" i="1" dirty="0" smtClean="0"/>
-                        <a:t> </a:t>
-                      </a:r>
-                      <a:r>
-                        <a:rPr lang="en-US" sz="1200" b="0" i="0" dirty="0" smtClean="0"/>
-                        <a:t>High</a:t>
-                      </a:r>
-                      <a:endParaRPr lang="en-US" sz="1200" dirty="0" smtClean="0"/>
+                      <a:endParaRPr lang="en-US" sz="1100" dirty="0"/>
                     </a:p>
                   </a:txBody>
                   <a:tcPr>
-                    <a:lnL w="12700" cap="flat" cmpd="sng" algn="ctr">
-                      <a:solidFill>
-                        <a:schemeClr val="tx1"/>
-                      </a:solidFill>
-                      <a:prstDash val="solid"/>
-                      <a:round/>
-                      <a:headEnd type="none" w="med" len="med"/>
-                      <a:tailEnd type="none" w="med" len="med"/>
+                    <a:lnL w="12700" cmpd="sng">
+                      <a:noFill/>
                     </a:lnL>
                     <a:lnR w="12700" cap="flat" cmpd="sng" algn="ctr">
                       <a:solidFill>
@@ -5037,19 +5017,11 @@
                       <a:headEnd type="none" w="med" len="med"/>
                       <a:tailEnd type="none" w="med" len="med"/>
                     </a:lnR>
-                    <a:lnT w="12700" cap="flat" cmpd="sng" algn="ctr">
-                      <a:noFill/>
-                      <a:prstDash val="solid"/>
-                      <a:round/>
-                      <a:headEnd type="none" w="med" len="med"/>
-                      <a:tailEnd type="none" w="med" len="med"/>
+                    <a:lnT w="12700" cmpd="sng">
+                      <a:noFill/>
                     </a:lnT>
-                    <a:lnB w="12700" cap="flat" cmpd="sng" algn="ctr">
-                      <a:noFill/>
-                      <a:prstDash val="solid"/>
-                      <a:round/>
-                      <a:headEnd type="none" w="med" len="med"/>
-                      <a:tailEnd type="none" w="med" len="med"/>
+                    <a:lnB w="12700" cmpd="sng">
+                      <a:noFill/>
                     </a:lnB>
                     <a:lnTlToBr w="12700" cmpd="sng">
                       <a:noFill/>
@@ -5069,10 +5041,10 @@
                     <a:lstStyle/>
                     <a:p>
                       <a:r>
-                        <a:rPr lang="en-US" sz="1200" b="0" dirty="0" err="1" smtClean="0"/>
+                        <a:rPr lang="en-US" sz="1100" dirty="0" err="1" smtClean="0"/>
                         <a:t>Parameter_Observables</a:t>
                       </a:r>
-                      <a:endParaRPr lang="en-US" sz="1200" b="0" dirty="0"/>
+                      <a:endParaRPr lang="en-US" sz="1100" b="0" dirty="0"/>
                     </a:p>
                   </a:txBody>
                   <a:tcPr>
@@ -5094,36 +5066,14 @@
                       <a:headEnd type="none" w="med" len="med"/>
                       <a:tailEnd type="none" w="med" len="med"/>
                     </a:lnR>
-                    <a:lnT w="12700" cap="flat" cmpd="sng" algn="ctr">
-                      <a:noFill/>
-                      <a:prstDash val="solid"/>
-                      <a:round/>
-                      <a:headEnd type="none" w="med" len="med"/>
-                      <a:tailEnd type="none" w="med" len="med"/>
-                    </a:lnT>
-                    <a:lnB w="12700" cap="flat" cmpd="sng" algn="ctr">
-                      <a:noFill/>
-                      <a:prstDash val="solid"/>
-                      <a:round/>
-                      <a:headEnd type="none" w="med" len="med"/>
-                      <a:tailEnd type="none" w="med" len="med"/>
-                    </a:lnB>
-                    <a:lnTlToBr w="12700" cmpd="sng">
-                      <a:noFill/>
-                      <a:prstDash val="solid"/>
-                    </a:lnTlToBr>
-                    <a:lnBlToTr w="12700" cmpd="sng">
-                      <a:noFill/>
-                      <a:prstDash val="solid"/>
-                    </a:lnBlToTr>
                   </a:tcPr>
                 </a:tc>
-                <a:tc>
-                  <a:txBody>
-                    <a:bodyPr/>
-                    <a:lstStyle/>
-                    <a:p>
-                      <a:endParaRPr lang="en-US" sz="1200" dirty="0" smtClean="0"/>
+                <a:tc gridSpan="2">
+                  <a:txBody>
+                    <a:bodyPr/>
+                    <a:lstStyle/>
+                    <a:p>
+                      <a:endParaRPr lang="en-US" sz="1100" dirty="0" smtClean="0"/>
                     </a:p>
                   </a:txBody>
                   <a:tcPr>
@@ -5145,29 +5095,20 @@
                       <a:headEnd type="none" w="med" len="med"/>
                       <a:tailEnd type="none" w="med" len="med"/>
                     </a:lnR>
-                    <a:lnT w="12700" cap="flat" cmpd="sng" algn="ctr">
-                      <a:noFill/>
-                      <a:prstDash val="solid"/>
-                      <a:round/>
-                      <a:headEnd type="none" w="med" len="med"/>
-                      <a:tailEnd type="none" w="med" len="med"/>
+                    <a:lnT w="12700" cmpd="sng">
+                      <a:noFill/>
                     </a:lnT>
-                    <a:lnB w="12700" cap="flat" cmpd="sng" algn="ctr">
-                      <a:noFill/>
-                      <a:prstDash val="solid"/>
-                      <a:round/>
-                      <a:headEnd type="none" w="med" len="med"/>
-                      <a:tailEnd type="none" w="med" len="med"/>
-                    </a:lnB>
-                    <a:lnTlToBr w="12700" cmpd="sng">
-                      <a:noFill/>
-                      <a:prstDash val="solid"/>
-                    </a:lnTlToBr>
-                    <a:lnBlToTr w="12700" cmpd="sng">
-                      <a:noFill/>
-                      <a:prstDash val="solid"/>
-                    </a:lnBlToTr>
                   </a:tcPr>
+                </a:tc>
+                <a:tc hMerge="1">
+                  <a:txBody>
+                    <a:bodyPr/>
+                    <a:lstStyle/>
+                    <a:p>
+                      <a:endParaRPr lang="en-US"/>
+                    </a:p>
+                  </a:txBody>
+                  <a:tcPr/>
                 </a:tc>
               </a:tr>
               <a:tr h="276599">
@@ -5177,10 +5118,10 @@
                     <a:lstStyle/>
                     <a:p>
                       <a:r>
-                        <a:rPr lang="en-US" sz="1200" b="0" dirty="0" smtClean="0"/>
+                        <a:rPr lang="en-US" sz="1100" dirty="0" smtClean="0"/>
                         <a:t>    Observable</a:t>
                       </a:r>
-                      <a:endParaRPr lang="en-US" sz="1200" b="0" dirty="0"/>
+                      <a:endParaRPr lang="en-US" sz="1100" b="0" dirty="0"/>
                     </a:p>
                   </a:txBody>
                   <a:tcPr>
@@ -5202,36 +5143,14 @@
                       <a:headEnd type="none" w="med" len="med"/>
                       <a:tailEnd type="none" w="med" len="med"/>
                     </a:lnR>
-                    <a:lnT w="12700" cap="flat" cmpd="sng" algn="ctr">
-                      <a:noFill/>
-                      <a:prstDash val="solid"/>
-                      <a:round/>
-                      <a:headEnd type="none" w="med" len="med"/>
-                      <a:tailEnd type="none" w="med" len="med"/>
-                    </a:lnT>
-                    <a:lnB w="12700" cap="flat" cmpd="sng" algn="ctr">
-                      <a:noFill/>
-                      <a:prstDash val="solid"/>
-                      <a:round/>
-                      <a:headEnd type="none" w="med" len="med"/>
-                      <a:tailEnd type="none" w="med" len="med"/>
-                    </a:lnB>
-                    <a:lnTlToBr w="12700" cmpd="sng">
-                      <a:noFill/>
-                      <a:prstDash val="solid"/>
-                    </a:lnTlToBr>
-                    <a:lnBlToTr w="12700" cmpd="sng">
-                      <a:noFill/>
-                      <a:prstDash val="solid"/>
-                    </a:lnBlToTr>
                   </a:tcPr>
                 </a:tc>
-                <a:tc>
-                  <a:txBody>
-                    <a:bodyPr/>
-                    <a:lstStyle/>
-                    <a:p>
-                      <a:endParaRPr lang="en-US" sz="1200" dirty="0" smtClean="0"/>
+                <a:tc gridSpan="2">
+                  <a:txBody>
+                    <a:bodyPr/>
+                    <a:lstStyle/>
+                    <a:p>
+                      <a:endParaRPr lang="en-US" sz="1100" dirty="0" smtClean="0"/>
                     </a:p>
                   </a:txBody>
                   <a:tcPr>
@@ -5253,29 +5172,17 @@
                       <a:headEnd type="none" w="med" len="med"/>
                       <a:tailEnd type="none" w="med" len="med"/>
                     </a:lnR>
-                    <a:lnT w="12700" cap="flat" cmpd="sng" algn="ctr">
-                      <a:noFill/>
-                      <a:prstDash val="solid"/>
-                      <a:round/>
-                      <a:headEnd type="none" w="med" len="med"/>
-                      <a:tailEnd type="none" w="med" len="med"/>
-                    </a:lnT>
-                    <a:lnB w="12700" cap="flat" cmpd="sng" algn="ctr">
-                      <a:noFill/>
-                      <a:prstDash val="solid"/>
-                      <a:round/>
-                      <a:headEnd type="none" w="med" len="med"/>
-                      <a:tailEnd type="none" w="med" len="med"/>
-                    </a:lnB>
-                    <a:lnTlToBr w="12700" cmpd="sng">
-                      <a:noFill/>
-                      <a:prstDash val="solid"/>
-                    </a:lnTlToBr>
-                    <a:lnBlToTr w="12700" cmpd="sng">
-                      <a:noFill/>
-                      <a:prstDash val="solid"/>
-                    </a:lnBlToTr>
                   </a:tcPr>
+                </a:tc>
+                <a:tc hMerge="1">
+                  <a:txBody>
+                    <a:bodyPr/>
+                    <a:lstStyle/>
+                    <a:p>
+                      <a:endParaRPr lang="en-US"/>
+                    </a:p>
+                  </a:txBody>
+                  <a:tcPr/>
                 </a:tc>
               </a:tr>
               <a:tr h="276599">
@@ -5285,10 +5192,10 @@
                     <a:lstStyle/>
                     <a:p>
                       <a:r>
-                        <a:rPr lang="en-US" sz="1200" b="0" dirty="0" smtClean="0"/>
+                        <a:rPr lang="en-US" sz="1100" dirty="0" smtClean="0"/>
                         <a:t>        Object</a:t>
                       </a:r>
-                      <a:endParaRPr lang="en-US" sz="1200" b="0" dirty="0"/>
+                      <a:endParaRPr lang="en-US" sz="1100" b="0" dirty="0"/>
                     </a:p>
                   </a:txBody>
                   <a:tcPr>
@@ -5310,36 +5217,14 @@
                       <a:headEnd type="none" w="med" len="med"/>
                       <a:tailEnd type="none" w="med" len="med"/>
                     </a:lnR>
-                    <a:lnT w="12700" cap="flat" cmpd="sng" algn="ctr">
-                      <a:noFill/>
-                      <a:prstDash val="solid"/>
-                      <a:round/>
-                      <a:headEnd type="none" w="med" len="med"/>
-                      <a:tailEnd type="none" w="med" len="med"/>
-                    </a:lnT>
-                    <a:lnB w="12700" cap="flat" cmpd="sng" algn="ctr">
-                      <a:noFill/>
-                      <a:prstDash val="solid"/>
-                      <a:round/>
-                      <a:headEnd type="none" w="med" len="med"/>
-                      <a:tailEnd type="none" w="med" len="med"/>
-                    </a:lnB>
-                    <a:lnTlToBr w="12700" cmpd="sng">
-                      <a:noFill/>
-                      <a:prstDash val="solid"/>
-                    </a:lnTlToBr>
-                    <a:lnBlToTr w="12700" cmpd="sng">
-                      <a:noFill/>
-                      <a:prstDash val="solid"/>
-                    </a:lnBlToTr>
                   </a:tcPr>
                 </a:tc>
-                <a:tc>
-                  <a:txBody>
-                    <a:bodyPr/>
-                    <a:lstStyle/>
-                    <a:p>
-                      <a:endParaRPr lang="en-US" sz="1200" dirty="0" smtClean="0"/>
+                <a:tc gridSpan="2">
+                  <a:txBody>
+                    <a:bodyPr/>
+                    <a:lstStyle/>
+                    <a:p>
+                      <a:endParaRPr lang="en-US" sz="1100" dirty="0" smtClean="0"/>
                     </a:p>
                   </a:txBody>
                   <a:tcPr>
@@ -5361,29 +5246,17 @@
                       <a:headEnd type="none" w="med" len="med"/>
                       <a:tailEnd type="none" w="med" len="med"/>
                     </a:lnR>
-                    <a:lnT w="12700" cap="flat" cmpd="sng" algn="ctr">
-                      <a:noFill/>
-                      <a:prstDash val="solid"/>
-                      <a:round/>
-                      <a:headEnd type="none" w="med" len="med"/>
-                      <a:tailEnd type="none" w="med" len="med"/>
-                    </a:lnT>
-                    <a:lnB w="12700" cap="flat" cmpd="sng" algn="ctr">
-                      <a:noFill/>
-                      <a:prstDash val="solid"/>
-                      <a:round/>
-                      <a:headEnd type="none" w="med" len="med"/>
-                      <a:tailEnd type="none" w="med" len="med"/>
-                    </a:lnB>
-                    <a:lnTlToBr w="12700" cmpd="sng">
-                      <a:noFill/>
-                      <a:prstDash val="solid"/>
-                    </a:lnTlToBr>
-                    <a:lnBlToTr w="12700" cmpd="sng">
-                      <a:noFill/>
-                      <a:prstDash val="solid"/>
-                    </a:lnBlToTr>
                   </a:tcPr>
+                </a:tc>
+                <a:tc hMerge="1">
+                  <a:txBody>
+                    <a:bodyPr/>
+                    <a:lstStyle/>
+                    <a:p>
+                      <a:endParaRPr lang="en-US"/>
+                    </a:p>
+                  </a:txBody>
+                  <a:tcPr/>
                 </a:tc>
               </a:tr>
               <a:tr h="276599">
@@ -5393,10 +5266,10 @@
                     <a:lstStyle/>
                     <a:p>
                       <a:r>
-                        <a:rPr lang="en-US" sz="1200" b="0" dirty="0" smtClean="0"/>
+                        <a:rPr lang="en-US" sz="1100" dirty="0" smtClean="0"/>
                         <a:t>            Properties</a:t>
                       </a:r>
-                      <a:endParaRPr lang="en-US" sz="1200" b="0" dirty="0"/>
+                      <a:endParaRPr lang="en-US" sz="1100" b="0" dirty="0"/>
                     </a:p>
                   </a:txBody>
                   <a:tcPr>
@@ -5418,28 +5291,6 @@
                       <a:headEnd type="none" w="med" len="med"/>
                       <a:tailEnd type="none" w="med" len="med"/>
                     </a:lnR>
-                    <a:lnT w="12700" cap="flat" cmpd="sng" algn="ctr">
-                      <a:noFill/>
-                      <a:prstDash val="solid"/>
-                      <a:round/>
-                      <a:headEnd type="none" w="med" len="med"/>
-                      <a:tailEnd type="none" w="med" len="med"/>
-                    </a:lnT>
-                    <a:lnB w="12700" cap="flat" cmpd="sng" algn="ctr">
-                      <a:noFill/>
-                      <a:prstDash val="solid"/>
-                      <a:round/>
-                      <a:headEnd type="none" w="med" len="med"/>
-                      <a:tailEnd type="none" w="med" len="med"/>
-                    </a:lnB>
-                    <a:lnTlToBr w="12700" cmpd="sng">
-                      <a:noFill/>
-                      <a:prstDash val="solid"/>
-                    </a:lnTlToBr>
-                    <a:lnBlToTr w="12700" cmpd="sng">
-                      <a:noFill/>
-                      <a:prstDash val="solid"/>
-                    </a:lnBlToTr>
                   </a:tcPr>
                 </a:tc>
                 <a:tc>
@@ -5447,34 +5298,7 @@
                     <a:bodyPr/>
                     <a:lstStyle/>
                     <a:p>
-                      <a:r>
-                        <a:rPr lang="en-US" sz="1200" b="1" dirty="0" err="1" smtClean="0"/>
-                        <a:t>xsi:type</a:t>
-                      </a:r>
-                      <a:r>
-                        <a:rPr lang="en-US" sz="1200" b="1" dirty="0" smtClean="0"/>
-                        <a:t>:</a:t>
-                      </a:r>
-                      <a:r>
-                        <a:rPr lang="en-US" sz="1200" b="0" dirty="0" smtClean="0"/>
-                        <a:t> </a:t>
-                      </a:r>
-                      <a:r>
-                        <a:rPr lang="en-US" sz="1200" b="0" dirty="0" err="1" smtClean="0"/>
-                        <a:t>AddressObjectType</a:t>
-                      </a:r>
-                      <a:endParaRPr lang="en-US" sz="1200" b="0" dirty="0" smtClean="0"/>
-                    </a:p>
-                    <a:p>
-                      <a:r>
-                        <a:rPr lang="en-US" sz="1200" b="1" dirty="0" smtClean="0"/>
-                        <a:t>category: </a:t>
-                      </a:r>
-                      <a:r>
-                        <a:rPr lang="en-US" sz="1200" b="0" dirty="0" smtClean="0"/>
-                        <a:t>IPV4_Address</a:t>
-                      </a:r>
-                      <a:endParaRPr lang="en-US" sz="1200" b="1" dirty="0" smtClean="0"/>
+                      <a:endParaRPr lang="en-US" sz="1100" dirty="0"/>
                     </a:p>
                   </a:txBody>
                   <a:tcPr>
@@ -5488,36 +5312,66 @@
                       <a:tailEnd type="none" w="med" len="med"/>
                     </a:lnL>
                     <a:lnR w="12700" cap="flat" cmpd="sng" algn="ctr">
-                      <a:solidFill>
-                        <a:schemeClr val="tx1"/>
-                      </a:solidFill>
+                      <a:noFill/>
                       <a:prstDash val="solid"/>
                       <a:round/>
                       <a:headEnd type="none" w="med" len="med"/>
                       <a:tailEnd type="none" w="med" len="med"/>
                     </a:lnR>
-                    <a:lnT w="12700" cap="flat" cmpd="sng" algn="ctr">
-                      <a:noFill/>
-                      <a:prstDash val="solid"/>
-                      <a:round/>
-                      <a:headEnd type="none" w="med" len="med"/>
-                      <a:tailEnd type="none" w="med" len="med"/>
-                    </a:lnT>
-                    <a:lnB w="12700" cap="flat" cmpd="sng" algn="ctr">
-                      <a:noFill/>
-                      <a:prstDash val="solid"/>
-                      <a:round/>
-                      <a:headEnd type="none" w="med" len="med"/>
-                      <a:tailEnd type="none" w="med" len="med"/>
-                    </a:lnB>
-                    <a:lnTlToBr w="12700" cmpd="sng">
-                      <a:noFill/>
-                      <a:prstDash val="solid"/>
-                    </a:lnTlToBr>
-                    <a:lnBlToTr w="12700" cmpd="sng">
-                      <a:noFill/>
-                      <a:prstDash val="solid"/>
-                    </a:lnBlToTr>
+                  </a:tcPr>
+                </a:tc>
+                <a:tc>
+                  <a:txBody>
+                    <a:bodyPr/>
+                    <a:lstStyle/>
+                    <a:p>
+                      <a:pPr marL="0" marR="0" indent="0" algn="r" defTabSz="914400" rtl="0" eaLnBrk="1" fontAlgn="auto" latinLnBrk="0" hangingPunct="1">
+                        <a:lnSpc>
+                          <a:spcPct val="100000"/>
+                        </a:lnSpc>
+                        <a:spcBef>
+                          <a:spcPts val="0"/>
+                        </a:spcBef>
+                        <a:spcAft>
+                          <a:spcPts val="0"/>
+                        </a:spcAft>
+                        <a:buClrTx/>
+                        <a:buSzTx/>
+                        <a:buFontTx/>
+                        <a:buNone/>
+                        <a:tabLst/>
+                        <a:defRPr/>
+                      </a:pPr>
+                      <a:r>
+                        <a:rPr lang="en-US" sz="1100" dirty="0" smtClean="0">
+                          <a:solidFill>
+                            <a:schemeClr val="bg1">
+                              <a:lumMod val="50000"/>
+                            </a:schemeClr>
+                          </a:solidFill>
+                        </a:rPr>
+                        <a:t>Address Object</a:t>
+                      </a:r>
+                      <a:endParaRPr lang="en-US" sz="1100" dirty="0"/>
+                    </a:p>
+                  </a:txBody>
+                  <a:tcPr>
+                    <a:lnL w="12700" cap="flat" cmpd="sng" algn="ctr">
+                      <a:noFill/>
+                      <a:prstDash val="solid"/>
+                      <a:round/>
+                      <a:headEnd type="none" w="med" len="med"/>
+                      <a:tailEnd type="none" w="med" len="med"/>
+                    </a:lnL>
+                    <a:lnR w="12700" cap="flat" cmpd="sng" algn="ctr">
+                      <a:solidFill>
+                        <a:schemeClr val="tx1"/>
+                      </a:solidFill>
+                      <a:prstDash val="solid"/>
+                      <a:round/>
+                      <a:headEnd type="none" w="med" len="med"/>
+                      <a:tailEnd type="none" w="med" len="med"/>
+                    </a:lnR>
                   </a:tcPr>
                 </a:tc>
               </a:tr>
@@ -5528,14 +5382,14 @@
                     <a:lstStyle/>
                     <a:p>
                       <a:r>
-                        <a:rPr lang="en-US" sz="1200" b="0" dirty="0" smtClean="0"/>
+                        <a:rPr lang="en-US" sz="1100" dirty="0" smtClean="0"/>
                         <a:t>                </a:t>
                       </a:r>
                       <a:r>
-                        <a:rPr lang="en-US" sz="1200" b="0" dirty="0" err="1" smtClean="0"/>
+                        <a:rPr lang="en-US" sz="1100" dirty="0" err="1" smtClean="0"/>
                         <a:t>Address_Value</a:t>
                       </a:r>
-                      <a:endParaRPr lang="en-US" sz="1200" b="0" dirty="0"/>
+                      <a:endParaRPr lang="en-US" sz="1100" b="0" dirty="0"/>
                     </a:p>
                   </a:txBody>
                   <a:tcPr>
@@ -5557,39 +5411,18 @@
                       <a:headEnd type="none" w="med" len="med"/>
                       <a:tailEnd type="none" w="med" len="med"/>
                     </a:lnR>
-                    <a:lnT w="12700" cap="flat" cmpd="sng" algn="ctr">
-                      <a:noFill/>
-                      <a:prstDash val="solid"/>
-                      <a:round/>
-                      <a:headEnd type="none" w="med" len="med"/>
-                      <a:tailEnd type="none" w="med" len="med"/>
-                    </a:lnT>
-                    <a:lnB w="12700" cap="flat" cmpd="sng" algn="ctr">
-                      <a:noFill/>
-                      <a:prstDash val="solid"/>
-                      <a:round/>
-                      <a:headEnd type="none" w="med" len="med"/>
-                      <a:tailEnd type="none" w="med" len="med"/>
-                    </a:lnB>
-                    <a:lnTlToBr w="12700" cmpd="sng">
-                      <a:noFill/>
-                      <a:prstDash val="solid"/>
-                    </a:lnTlToBr>
-                    <a:lnBlToTr w="12700" cmpd="sng">
-                      <a:noFill/>
-                      <a:prstDash val="solid"/>
-                    </a:lnBlToTr>
                   </a:tcPr>
                 </a:tc>
-                <a:tc>
+                <a:tc gridSpan="2">
                   <a:txBody>
                     <a:bodyPr/>
                     <a:lstStyle/>
                     <a:p>
                       <a:r>
-                        <a:rPr lang="en-US" sz="1200" b="0" dirty="0" smtClean="0"/>
+                        <a:rPr lang="en-US" sz="1100" dirty="0" smtClean="0"/>
                         <a:t>10.10.10.10</a:t>
                       </a:r>
+                      <a:endParaRPr lang="en-US" sz="1100" b="0" dirty="0" smtClean="0"/>
                     </a:p>
                   </a:txBody>
                   <a:tcPr>
@@ -5611,29 +5444,112 @@
                       <a:headEnd type="none" w="med" len="med"/>
                       <a:tailEnd type="none" w="med" len="med"/>
                     </a:lnR>
-                    <a:lnT w="12700" cap="flat" cmpd="sng" algn="ctr">
-                      <a:noFill/>
-                      <a:prstDash val="solid"/>
-                      <a:round/>
-                      <a:headEnd type="none" w="med" len="med"/>
-                      <a:tailEnd type="none" w="med" len="med"/>
-                    </a:lnT>
+                  </a:tcPr>
+                </a:tc>
+                <a:tc hMerge="1">
+                  <a:txBody>
+                    <a:bodyPr/>
+                    <a:lstStyle/>
+                    <a:p>
+                      <a:endParaRPr lang="en-US"/>
+                    </a:p>
+                  </a:txBody>
+                  <a:tcPr/>
+                </a:tc>
+              </a:tr>
+              <a:tr h="276599">
+                <a:tc>
+                  <a:txBody>
+                    <a:bodyPr/>
+                    <a:lstStyle/>
+                    <a:p>
+                      <a:r>
+                        <a:rPr lang="en-US" sz="1100" b="0" dirty="0" smtClean="0"/>
+                        <a:t>                Category</a:t>
+                      </a:r>
+                      <a:endParaRPr lang="en-US" sz="1100" b="0" dirty="0"/>
+                    </a:p>
+                  </a:txBody>
+                  <a:tcPr>
+                    <a:lnL w="12700" cap="flat" cmpd="sng" algn="ctr">
+                      <a:solidFill>
+                        <a:schemeClr val="tx1"/>
+                      </a:solidFill>
+                      <a:prstDash val="solid"/>
+                      <a:round/>
+                      <a:headEnd type="none" w="med" len="med"/>
+                      <a:tailEnd type="none" w="med" len="med"/>
+                    </a:lnL>
+                    <a:lnR w="12700" cap="flat" cmpd="sng" algn="ctr">
+                      <a:solidFill>
+                        <a:schemeClr val="tx1"/>
+                      </a:solidFill>
+                      <a:prstDash val="solid"/>
+                      <a:round/>
+                      <a:headEnd type="none" w="med" len="med"/>
+                      <a:tailEnd type="none" w="med" len="med"/>
+                    </a:lnR>
                     <a:lnB w="12700" cap="flat" cmpd="sng" algn="ctr">
-                      <a:noFill/>
+                      <a:solidFill>
+                        <a:schemeClr val="tx1"/>
+                      </a:solidFill>
                       <a:prstDash val="solid"/>
                       <a:round/>
                       <a:headEnd type="none" w="med" len="med"/>
                       <a:tailEnd type="none" w="med" len="med"/>
                     </a:lnB>
-                    <a:lnTlToBr w="12700" cmpd="sng">
-                      <a:noFill/>
-                      <a:prstDash val="solid"/>
-                    </a:lnTlToBr>
-                    <a:lnBlToTr w="12700" cmpd="sng">
-                      <a:noFill/>
-                      <a:prstDash val="solid"/>
-                    </a:lnBlToTr>
                   </a:tcPr>
+                </a:tc>
+                <a:tc gridSpan="2">
+                  <a:txBody>
+                    <a:bodyPr/>
+                    <a:lstStyle/>
+                    <a:p>
+                      <a:r>
+                        <a:rPr lang="en-US" sz="1100" b="0" dirty="0" smtClean="0"/>
+                        <a:t>IPV4 Address</a:t>
+                      </a:r>
+                    </a:p>
+                  </a:txBody>
+                  <a:tcPr>
+                    <a:lnL w="12700" cap="flat" cmpd="sng" algn="ctr">
+                      <a:solidFill>
+                        <a:schemeClr val="tx1"/>
+                      </a:solidFill>
+                      <a:prstDash val="solid"/>
+                      <a:round/>
+                      <a:headEnd type="none" w="med" len="med"/>
+                      <a:tailEnd type="none" w="med" len="med"/>
+                    </a:lnL>
+                    <a:lnR w="12700" cap="flat" cmpd="sng" algn="ctr">
+                      <a:solidFill>
+                        <a:schemeClr val="tx1"/>
+                      </a:solidFill>
+                      <a:prstDash val="solid"/>
+                      <a:round/>
+                      <a:headEnd type="none" w="med" len="med"/>
+                      <a:tailEnd type="none" w="med" len="med"/>
+                    </a:lnR>
+                    <a:lnB w="12700" cap="flat" cmpd="sng" algn="ctr">
+                      <a:solidFill>
+                        <a:schemeClr val="tx1"/>
+                      </a:solidFill>
+                      <a:prstDash val="solid"/>
+                      <a:round/>
+                      <a:headEnd type="none" w="med" len="med"/>
+                      <a:tailEnd type="none" w="med" len="med"/>
+                    </a:lnB>
+                  </a:tcPr>
+                </a:tc>
+                <a:tc hMerge="1">
+                  <a:txBody>
+                    <a:bodyPr/>
+                    <a:lstStyle/>
+                    <a:p>
+                      <a:endParaRPr lang="en-US"/>
+                    </a:p>
+                  </a:txBody>
+                  <a:tcPr/>
                 </a:tc>
               </a:tr>
             </a:tbl>
